--- a/5 - Sorting Algorithms/Bubble Sort.pptx
+++ b/5 - Sorting Algorithms/Bubble Sort.pptx
@@ -5,28 +5,27 @@
     <p:sldMasterId id="2147483648" r:id="rId4"/>
   </p:sldMasterIdLst>
   <p:notesMasterIdLst>
-    <p:notesMasterId r:id="rId24"/>
+    <p:notesMasterId r:id="rId23"/>
   </p:notesMasterIdLst>
   <p:sldIdLst>
     <p:sldId id="257" r:id="rId5"/>
-    <p:sldId id="271" r:id="rId6"/>
-    <p:sldId id="272" r:id="rId7"/>
-    <p:sldId id="273" r:id="rId8"/>
-    <p:sldId id="276" r:id="rId9"/>
-    <p:sldId id="277" r:id="rId10"/>
-    <p:sldId id="278" r:id="rId11"/>
-    <p:sldId id="279" r:id="rId12"/>
-    <p:sldId id="280" r:id="rId13"/>
-    <p:sldId id="281" r:id="rId14"/>
-    <p:sldId id="282" r:id="rId15"/>
-    <p:sldId id="283" r:id="rId16"/>
-    <p:sldId id="284" r:id="rId17"/>
-    <p:sldId id="285" r:id="rId18"/>
-    <p:sldId id="286" r:id="rId19"/>
-    <p:sldId id="287" r:id="rId20"/>
-    <p:sldId id="288" r:id="rId21"/>
-    <p:sldId id="289" r:id="rId22"/>
-    <p:sldId id="290" r:id="rId23"/>
+    <p:sldId id="272" r:id="rId6"/>
+    <p:sldId id="273" r:id="rId7"/>
+    <p:sldId id="276" r:id="rId8"/>
+    <p:sldId id="277" r:id="rId9"/>
+    <p:sldId id="278" r:id="rId10"/>
+    <p:sldId id="279" r:id="rId11"/>
+    <p:sldId id="280" r:id="rId12"/>
+    <p:sldId id="281" r:id="rId13"/>
+    <p:sldId id="282" r:id="rId14"/>
+    <p:sldId id="283" r:id="rId15"/>
+    <p:sldId id="284" r:id="rId16"/>
+    <p:sldId id="285" r:id="rId17"/>
+    <p:sldId id="286" r:id="rId18"/>
+    <p:sldId id="287" r:id="rId19"/>
+    <p:sldId id="288" r:id="rId20"/>
+    <p:sldId id="289" r:id="rId21"/>
+    <p:sldId id="290" r:id="rId22"/>
   </p:sldIdLst>
   <p:sldSz cx="12192000" cy="6858000"/>
   <p:notesSz cx="6858000" cy="9144000"/>
@@ -649,7 +648,7 @@
     </p:spTree>
     <p:extLst>
       <p:ext uri="{BB962C8B-B14F-4D97-AF65-F5344CB8AC3E}">
-        <p14:creationId xmlns:p14="http://schemas.microsoft.com/office/powerpoint/2010/main" val="3519861943"/>
+        <p14:creationId xmlns:p14="http://schemas.microsoft.com/office/powerpoint/2010/main" val="218853992"/>
       </p:ext>
     </p:extLst>
   </p:cSld>
@@ -733,7 +732,7 @@
     </p:spTree>
     <p:extLst>
       <p:ext uri="{BB962C8B-B14F-4D97-AF65-F5344CB8AC3E}">
-        <p14:creationId xmlns:p14="http://schemas.microsoft.com/office/powerpoint/2010/main" val="218853992"/>
+        <p14:creationId xmlns:p14="http://schemas.microsoft.com/office/powerpoint/2010/main" val="841959812"/>
       </p:ext>
     </p:extLst>
   </p:cSld>
@@ -817,7 +816,7 @@
     </p:spTree>
     <p:extLst>
       <p:ext uri="{BB962C8B-B14F-4D97-AF65-F5344CB8AC3E}">
-        <p14:creationId xmlns:p14="http://schemas.microsoft.com/office/powerpoint/2010/main" val="841959812"/>
+        <p14:creationId xmlns:p14="http://schemas.microsoft.com/office/powerpoint/2010/main" val="2663989997"/>
       </p:ext>
     </p:extLst>
   </p:cSld>
@@ -901,7 +900,7 @@
     </p:spTree>
     <p:extLst>
       <p:ext uri="{BB962C8B-B14F-4D97-AF65-F5344CB8AC3E}">
-        <p14:creationId xmlns:p14="http://schemas.microsoft.com/office/powerpoint/2010/main" val="2663989997"/>
+        <p14:creationId xmlns:p14="http://schemas.microsoft.com/office/powerpoint/2010/main" val="238971573"/>
       </p:ext>
     </p:extLst>
   </p:cSld>
@@ -985,7 +984,7 @@
     </p:spTree>
     <p:extLst>
       <p:ext uri="{BB962C8B-B14F-4D97-AF65-F5344CB8AC3E}">
-        <p14:creationId xmlns:p14="http://schemas.microsoft.com/office/powerpoint/2010/main" val="238971573"/>
+        <p14:creationId xmlns:p14="http://schemas.microsoft.com/office/powerpoint/2010/main" val="4236587220"/>
       </p:ext>
     </p:extLst>
   </p:cSld>
@@ -1069,7 +1068,7 @@
     </p:spTree>
     <p:extLst>
       <p:ext uri="{BB962C8B-B14F-4D97-AF65-F5344CB8AC3E}">
-        <p14:creationId xmlns:p14="http://schemas.microsoft.com/office/powerpoint/2010/main" val="4236587220"/>
+        <p14:creationId xmlns:p14="http://schemas.microsoft.com/office/powerpoint/2010/main" val="2903923439"/>
       </p:ext>
     </p:extLst>
   </p:cSld>
@@ -1153,7 +1152,7 @@
     </p:spTree>
     <p:extLst>
       <p:ext uri="{BB962C8B-B14F-4D97-AF65-F5344CB8AC3E}">
-        <p14:creationId xmlns:p14="http://schemas.microsoft.com/office/powerpoint/2010/main" val="2903923439"/>
+        <p14:creationId xmlns:p14="http://schemas.microsoft.com/office/powerpoint/2010/main" val="2386456870"/>
       </p:ext>
     </p:extLst>
   </p:cSld>
@@ -1237,7 +1236,7 @@
     </p:spTree>
     <p:extLst>
       <p:ext uri="{BB962C8B-B14F-4D97-AF65-F5344CB8AC3E}">
-        <p14:creationId xmlns:p14="http://schemas.microsoft.com/office/powerpoint/2010/main" val="2386456870"/>
+        <p14:creationId xmlns:p14="http://schemas.microsoft.com/office/powerpoint/2010/main" val="1362112734"/>
       </p:ext>
     </p:extLst>
   </p:cSld>
@@ -1313,90 +1312,6 @@
             <a:fld id="{FE90CCE9-4AAE-4E1F-85AD-521A406D6524}" type="slidenum">
               <a:rPr lang="en-PH" smtClean="0"/>
               <a:t>18</a:t>
-            </a:fld>
-            <a:endParaRPr lang="en-PH"/>
-          </a:p>
-        </p:txBody>
-      </p:sp>
-    </p:spTree>
-    <p:extLst>
-      <p:ext uri="{BB962C8B-B14F-4D97-AF65-F5344CB8AC3E}">
-        <p14:creationId xmlns:p14="http://schemas.microsoft.com/office/powerpoint/2010/main" val="1362112734"/>
-      </p:ext>
-    </p:extLst>
-  </p:cSld>
-  <p:clrMapOvr>
-    <a:masterClrMapping/>
-  </p:clrMapOvr>
-</p:notes>
-</file>
-
-<file path=ppt/notesSlides/notesSlide19.xml><?xml version="1.0" encoding="utf-8"?>
-<p:notes xmlns:a="http://schemas.openxmlformats.org/drawingml/2006/main" xmlns:r="http://schemas.openxmlformats.org/officeDocument/2006/relationships" xmlns:p="http://schemas.openxmlformats.org/presentationml/2006/main">
-  <p:cSld>
-    <p:spTree>
-      <p:nvGrpSpPr>
-        <p:cNvPr id="1" name=""/>
-        <p:cNvGrpSpPr/>
-        <p:nvPr/>
-      </p:nvGrpSpPr>
-      <p:grpSpPr>
-        <a:xfrm>
-          <a:off x="0" y="0"/>
-          <a:ext cx="0" cy="0"/>
-          <a:chOff x="0" y="0"/>
-          <a:chExt cx="0" cy="0"/>
-        </a:xfrm>
-      </p:grpSpPr>
-      <p:sp>
-        <p:nvSpPr>
-          <p:cNvPr id="2" name="Slide Image Placeholder 1"/>
-          <p:cNvSpPr>
-            <a:spLocks noGrp="1" noRot="1" noChangeAspect="1"/>
-          </p:cNvSpPr>
-          <p:nvPr>
-            <p:ph type="sldImg"/>
-          </p:nvPr>
-        </p:nvSpPr>
-        <p:spPr/>
-      </p:sp>
-      <p:sp>
-        <p:nvSpPr>
-          <p:cNvPr id="3" name="Notes Placeholder 2"/>
-          <p:cNvSpPr>
-            <a:spLocks noGrp="1"/>
-          </p:cNvSpPr>
-          <p:nvPr>
-            <p:ph type="body" idx="1"/>
-          </p:nvPr>
-        </p:nvSpPr>
-        <p:spPr/>
-        <p:txBody>
-          <a:bodyPr/>
-          <a:lstStyle/>
-          <a:p>
-            <a:endParaRPr lang="en-PH" dirty="0"/>
-          </a:p>
-        </p:txBody>
-      </p:sp>
-      <p:sp>
-        <p:nvSpPr>
-          <p:cNvPr id="4" name="Slide Number Placeholder 3"/>
-          <p:cNvSpPr>
-            <a:spLocks noGrp="1"/>
-          </p:cNvSpPr>
-          <p:nvPr>
-            <p:ph type="sldNum" sz="quarter" idx="5"/>
-          </p:nvPr>
-        </p:nvSpPr>
-        <p:spPr/>
-        <p:txBody>
-          <a:bodyPr/>
-          <a:lstStyle/>
-          <a:p>
-            <a:fld id="{FE90CCE9-4AAE-4E1F-85AD-521A406D6524}" type="slidenum">
-              <a:rPr lang="en-PH" smtClean="0"/>
-              <a:t>19</a:t>
             </a:fld>
             <a:endParaRPr lang="en-PH"/>
           </a:p>
@@ -1489,7 +1404,7 @@
     </p:spTree>
     <p:extLst>
       <p:ext uri="{BB962C8B-B14F-4D97-AF65-F5344CB8AC3E}">
-        <p14:creationId xmlns:p14="http://schemas.microsoft.com/office/powerpoint/2010/main" val="553149235"/>
+        <p14:creationId xmlns:p14="http://schemas.microsoft.com/office/powerpoint/2010/main" val="2499164740"/>
       </p:ext>
     </p:extLst>
   </p:cSld>
@@ -1573,7 +1488,7 @@
     </p:spTree>
     <p:extLst>
       <p:ext uri="{BB962C8B-B14F-4D97-AF65-F5344CB8AC3E}">
-        <p14:creationId xmlns:p14="http://schemas.microsoft.com/office/powerpoint/2010/main" val="2499164740"/>
+        <p14:creationId xmlns:p14="http://schemas.microsoft.com/office/powerpoint/2010/main" val="2860557618"/>
       </p:ext>
     </p:extLst>
   </p:cSld>
@@ -1657,7 +1572,7 @@
     </p:spTree>
     <p:extLst>
       <p:ext uri="{BB962C8B-B14F-4D97-AF65-F5344CB8AC3E}">
-        <p14:creationId xmlns:p14="http://schemas.microsoft.com/office/powerpoint/2010/main" val="2860557618"/>
+        <p14:creationId xmlns:p14="http://schemas.microsoft.com/office/powerpoint/2010/main" val="2725844741"/>
       </p:ext>
     </p:extLst>
   </p:cSld>
@@ -1741,7 +1656,7 @@
     </p:spTree>
     <p:extLst>
       <p:ext uri="{BB962C8B-B14F-4D97-AF65-F5344CB8AC3E}">
-        <p14:creationId xmlns:p14="http://schemas.microsoft.com/office/powerpoint/2010/main" val="2725844741"/>
+        <p14:creationId xmlns:p14="http://schemas.microsoft.com/office/powerpoint/2010/main" val="402489000"/>
       </p:ext>
     </p:extLst>
   </p:cSld>
@@ -1825,7 +1740,7 @@
     </p:spTree>
     <p:extLst>
       <p:ext uri="{BB962C8B-B14F-4D97-AF65-F5344CB8AC3E}">
-        <p14:creationId xmlns:p14="http://schemas.microsoft.com/office/powerpoint/2010/main" val="402489000"/>
+        <p14:creationId xmlns:p14="http://schemas.microsoft.com/office/powerpoint/2010/main" val="324562481"/>
       </p:ext>
     </p:extLst>
   </p:cSld>
@@ -1909,7 +1824,7 @@
     </p:spTree>
     <p:extLst>
       <p:ext uri="{BB962C8B-B14F-4D97-AF65-F5344CB8AC3E}">
-        <p14:creationId xmlns:p14="http://schemas.microsoft.com/office/powerpoint/2010/main" val="324562481"/>
+        <p14:creationId xmlns:p14="http://schemas.microsoft.com/office/powerpoint/2010/main" val="873009233"/>
       </p:ext>
     </p:extLst>
   </p:cSld>
@@ -1993,7 +1908,7 @@
     </p:spTree>
     <p:extLst>
       <p:ext uri="{BB962C8B-B14F-4D97-AF65-F5344CB8AC3E}">
-        <p14:creationId xmlns:p14="http://schemas.microsoft.com/office/powerpoint/2010/main" val="873009233"/>
+        <p14:creationId xmlns:p14="http://schemas.microsoft.com/office/powerpoint/2010/main" val="1646259578"/>
       </p:ext>
     </p:extLst>
   </p:cSld>
@@ -2077,7 +1992,7 @@
     </p:spTree>
     <p:extLst>
       <p:ext uri="{BB962C8B-B14F-4D97-AF65-F5344CB8AC3E}">
-        <p14:creationId xmlns:p14="http://schemas.microsoft.com/office/powerpoint/2010/main" val="1646259578"/>
+        <p14:creationId xmlns:p14="http://schemas.microsoft.com/office/powerpoint/2010/main" val="3519861943"/>
       </p:ext>
     </p:extLst>
   </p:cSld>
@@ -5362,7 +5277,7 @@
           <a:p>
             <a:r>
               <a:rPr lang="en-PH" b="1" dirty="0"/>
-              <a:t>Sorting Algorithms</a:t>
+              <a:t>Bubble Sort</a:t>
             </a:r>
           </a:p>
         </p:txBody>
@@ -5479,559 +5394,6 @@
 </file>
 
 <file path=ppt/slides/slide10.xml><?xml version="1.0" encoding="utf-8"?>
-<p:sld xmlns:a="http://schemas.openxmlformats.org/drawingml/2006/main" xmlns:r="http://schemas.openxmlformats.org/officeDocument/2006/relationships" xmlns:p="http://schemas.openxmlformats.org/presentationml/2006/main">
-  <p:cSld>
-    <p:bg>
-      <p:bgPr>
-        <a:blipFill dpi="0" rotWithShape="1">
-          <a:blip r:embed="rId3">
-            <a:alphaModFix amt="99000"/>
-            <a:lum/>
-          </a:blip>
-          <a:srcRect/>
-          <a:stretch>
-            <a:fillRect t="89000" r="85000" b="-1000"/>
-          </a:stretch>
-        </a:blipFill>
-        <a:effectLst/>
-      </p:bgPr>
-    </p:bg>
-    <p:spTree>
-      <p:nvGrpSpPr>
-        <p:cNvPr id="1" name=""/>
-        <p:cNvGrpSpPr/>
-        <p:nvPr/>
-      </p:nvGrpSpPr>
-      <p:grpSpPr>
-        <a:xfrm>
-          <a:off x="0" y="0"/>
-          <a:ext cx="0" cy="0"/>
-          <a:chOff x="0" y="0"/>
-          <a:chExt cx="0" cy="0"/>
-        </a:xfrm>
-      </p:grpSpPr>
-      <p:sp>
-        <p:nvSpPr>
-          <p:cNvPr id="2" name="Title 1">
-            <a:extLst>
-              <a:ext uri="{FF2B5EF4-FFF2-40B4-BE49-F238E27FC236}">
-                <a16:creationId xmlns:a16="http://schemas.microsoft.com/office/drawing/2014/main" id="{6A3DCE86-C2BA-4713-9E7A-73589E8D6CCF}"/>
-              </a:ext>
-            </a:extLst>
-          </p:cNvPr>
-          <p:cNvSpPr>
-            <a:spLocks noGrp="1"/>
-          </p:cNvSpPr>
-          <p:nvPr>
-            <p:ph type="ctrTitle"/>
-          </p:nvPr>
-        </p:nvSpPr>
-        <p:spPr>
-          <a:xfrm>
-            <a:off x="732773" y="497150"/>
-            <a:ext cx="9935227" cy="718459"/>
-          </a:xfrm>
-        </p:spPr>
-        <p:txBody>
-          <a:bodyPr>
-            <a:normAutofit fontScale="90000"/>
-          </a:bodyPr>
-          <a:lstStyle/>
-          <a:p>
-            <a:r>
-              <a:rPr lang="en-US" b="1" dirty="0"/>
-              <a:t>Bubble Sort</a:t>
-            </a:r>
-            <a:endParaRPr lang="en-PH" b="1" dirty="0"/>
-          </a:p>
-        </p:txBody>
-      </p:sp>
-      <p:sp>
-        <p:nvSpPr>
-          <p:cNvPr id="4" name="Footer Placeholder 3">
-            <a:extLst>
-              <a:ext uri="{FF2B5EF4-FFF2-40B4-BE49-F238E27FC236}">
-                <a16:creationId xmlns:a16="http://schemas.microsoft.com/office/drawing/2014/main" id="{638E7DE1-45EE-476A-A474-0F3C264AEDA3}"/>
-              </a:ext>
-            </a:extLst>
-          </p:cNvPr>
-          <p:cNvSpPr>
-            <a:spLocks noGrp="1"/>
-          </p:cNvSpPr>
-          <p:nvPr>
-            <p:ph type="ftr" sz="quarter" idx="11"/>
-          </p:nvPr>
-        </p:nvSpPr>
-        <p:spPr>
-          <a:xfrm>
-            <a:off x="0" y="6139541"/>
-            <a:ext cx="12192000" cy="718459"/>
-          </a:xfrm>
-          <a:ln w="28575">
-            <a:solidFill>
-              <a:schemeClr val="accent5">
-                <a:lumMod val="50000"/>
-              </a:schemeClr>
-            </a:solidFill>
-          </a:ln>
-        </p:spPr>
-        <p:txBody>
-          <a:bodyPr/>
-          <a:lstStyle/>
-          <a:p>
-            <a:pPr algn="r"/>
-            <a:r>
-              <a:rPr lang="en-US" sz="1200" b="1" dirty="0">
-                <a:solidFill>
-                  <a:schemeClr val="tx1"/>
-                </a:solidFill>
-              </a:rPr>
-              <a:t>CCDATRCL</a:t>
-            </a:r>
-            <a:endParaRPr lang="en-PH" b="1" dirty="0">
-              <a:solidFill>
-                <a:schemeClr val="tx1"/>
-              </a:solidFill>
-            </a:endParaRPr>
-          </a:p>
-        </p:txBody>
-      </p:sp>
-      <p:sp>
-        <p:nvSpPr>
-          <p:cNvPr id="3" name="Rectangle 2">
-            <a:extLst>
-              <a:ext uri="{FF2B5EF4-FFF2-40B4-BE49-F238E27FC236}">
-                <a16:creationId xmlns:a16="http://schemas.microsoft.com/office/drawing/2014/main" id="{27D20710-BEC7-3B54-036C-9BEAE7B3DFFE}"/>
-              </a:ext>
-            </a:extLst>
-          </p:cNvPr>
-          <p:cNvSpPr/>
-          <p:nvPr/>
-        </p:nvSpPr>
-        <p:spPr>
-          <a:xfrm>
-            <a:off x="1693538" y="2113767"/>
-            <a:ext cx="1465545" cy="1315233"/>
-          </a:xfrm>
-          <a:prstGeom prst="rect">
-            <a:avLst/>
-          </a:prstGeom>
-        </p:spPr>
-        <p:style>
-          <a:lnRef idx="1">
-            <a:schemeClr val="accent5"/>
-          </a:lnRef>
-          <a:fillRef idx="3">
-            <a:schemeClr val="accent5"/>
-          </a:fillRef>
-          <a:effectRef idx="2">
-            <a:schemeClr val="accent5"/>
-          </a:effectRef>
-          <a:fontRef idx="minor">
-            <a:schemeClr val="lt1"/>
-          </a:fontRef>
-        </p:style>
-        <p:txBody>
-          <a:bodyPr rtlCol="0" anchor="ctr"/>
-          <a:lstStyle/>
-          <a:p>
-            <a:pPr algn="ctr"/>
-            <a:r>
-              <a:rPr lang="en-US" sz="3000" dirty="0"/>
-              <a:t>1</a:t>
-            </a:r>
-            <a:endParaRPr lang="en-PH" sz="3000" dirty="0"/>
-          </a:p>
-        </p:txBody>
-      </p:sp>
-      <p:sp>
-        <p:nvSpPr>
-          <p:cNvPr id="7" name="Rectangle 6">
-            <a:extLst>
-              <a:ext uri="{FF2B5EF4-FFF2-40B4-BE49-F238E27FC236}">
-                <a16:creationId xmlns:a16="http://schemas.microsoft.com/office/drawing/2014/main" id="{F9C19329-EED1-B43F-5C9E-F79AB75A3F92}"/>
-              </a:ext>
-            </a:extLst>
-          </p:cNvPr>
-          <p:cNvSpPr/>
-          <p:nvPr/>
-        </p:nvSpPr>
-        <p:spPr>
-          <a:xfrm>
-            <a:off x="3325400" y="2113768"/>
-            <a:ext cx="1465545" cy="1315233"/>
-          </a:xfrm>
-          <a:prstGeom prst="rect">
-            <a:avLst/>
-          </a:prstGeom>
-        </p:spPr>
-        <p:style>
-          <a:lnRef idx="1">
-            <a:schemeClr val="accent5"/>
-          </a:lnRef>
-          <a:fillRef idx="3">
-            <a:schemeClr val="accent5"/>
-          </a:fillRef>
-          <a:effectRef idx="2">
-            <a:schemeClr val="accent5"/>
-          </a:effectRef>
-          <a:fontRef idx="minor">
-            <a:schemeClr val="lt1"/>
-          </a:fontRef>
-        </p:style>
-        <p:txBody>
-          <a:bodyPr rtlCol="0" anchor="ctr"/>
-          <a:lstStyle/>
-          <a:p>
-            <a:pPr algn="ctr"/>
-            <a:r>
-              <a:rPr lang="en-US" sz="3000" dirty="0"/>
-              <a:t>2</a:t>
-            </a:r>
-            <a:endParaRPr lang="en-PH" sz="3000" dirty="0"/>
-          </a:p>
-        </p:txBody>
-      </p:sp>
-      <p:sp>
-        <p:nvSpPr>
-          <p:cNvPr id="8" name="Rectangle 7">
-            <a:extLst>
-              <a:ext uri="{FF2B5EF4-FFF2-40B4-BE49-F238E27FC236}">
-                <a16:creationId xmlns:a16="http://schemas.microsoft.com/office/drawing/2014/main" id="{C4A7604A-5617-6E68-9F69-D44305AF4D95}"/>
-              </a:ext>
-            </a:extLst>
-          </p:cNvPr>
-          <p:cNvSpPr/>
-          <p:nvPr/>
-        </p:nvSpPr>
-        <p:spPr>
-          <a:xfrm>
-            <a:off x="4988230" y="2113767"/>
-            <a:ext cx="1465545" cy="1315233"/>
-          </a:xfrm>
-          <a:prstGeom prst="rect">
-            <a:avLst/>
-          </a:prstGeom>
-        </p:spPr>
-        <p:style>
-          <a:lnRef idx="1">
-            <a:schemeClr val="accent5"/>
-          </a:lnRef>
-          <a:fillRef idx="3">
-            <a:schemeClr val="accent5"/>
-          </a:fillRef>
-          <a:effectRef idx="2">
-            <a:schemeClr val="accent5"/>
-          </a:effectRef>
-          <a:fontRef idx="minor">
-            <a:schemeClr val="lt1"/>
-          </a:fontRef>
-        </p:style>
-        <p:txBody>
-          <a:bodyPr rtlCol="0" anchor="ctr"/>
-          <a:lstStyle/>
-          <a:p>
-            <a:pPr algn="ctr"/>
-            <a:r>
-              <a:rPr lang="en-US" sz="3000" dirty="0"/>
-              <a:t>4</a:t>
-            </a:r>
-            <a:endParaRPr lang="en-PH" sz="3000" dirty="0"/>
-          </a:p>
-        </p:txBody>
-      </p:sp>
-      <p:sp>
-        <p:nvSpPr>
-          <p:cNvPr id="9" name="Rectangle 8">
-            <a:extLst>
-              <a:ext uri="{FF2B5EF4-FFF2-40B4-BE49-F238E27FC236}">
-                <a16:creationId xmlns:a16="http://schemas.microsoft.com/office/drawing/2014/main" id="{9C094D5E-C143-ED16-3721-EB2032D1B02B}"/>
-              </a:ext>
-            </a:extLst>
-          </p:cNvPr>
-          <p:cNvSpPr/>
-          <p:nvPr/>
-        </p:nvSpPr>
-        <p:spPr>
-          <a:xfrm>
-            <a:off x="6747180" y="2113766"/>
-            <a:ext cx="1465545" cy="1315233"/>
-          </a:xfrm>
-          <a:prstGeom prst="rect">
-            <a:avLst/>
-          </a:prstGeom>
-        </p:spPr>
-        <p:style>
-          <a:lnRef idx="1">
-            <a:schemeClr val="accent5"/>
-          </a:lnRef>
-          <a:fillRef idx="3">
-            <a:schemeClr val="accent5"/>
-          </a:fillRef>
-          <a:effectRef idx="2">
-            <a:schemeClr val="accent5"/>
-          </a:effectRef>
-          <a:fontRef idx="minor">
-            <a:schemeClr val="lt1"/>
-          </a:fontRef>
-        </p:style>
-        <p:txBody>
-          <a:bodyPr rtlCol="0" anchor="ctr"/>
-          <a:lstStyle/>
-          <a:p>
-            <a:pPr algn="ctr"/>
-            <a:r>
-              <a:rPr lang="en-US" sz="3000" dirty="0"/>
-              <a:t>3</a:t>
-            </a:r>
-            <a:endParaRPr lang="en-PH" sz="3000" dirty="0"/>
-          </a:p>
-        </p:txBody>
-      </p:sp>
-      <p:sp>
-        <p:nvSpPr>
-          <p:cNvPr id="10" name="Rectangle 9">
-            <a:extLst>
-              <a:ext uri="{FF2B5EF4-FFF2-40B4-BE49-F238E27FC236}">
-                <a16:creationId xmlns:a16="http://schemas.microsoft.com/office/drawing/2014/main" id="{64F5675E-E5A9-C138-74D7-63906896B09C}"/>
-              </a:ext>
-            </a:extLst>
-          </p:cNvPr>
-          <p:cNvSpPr/>
-          <p:nvPr/>
-        </p:nvSpPr>
-        <p:spPr>
-          <a:xfrm>
-            <a:off x="8410010" y="2113765"/>
-            <a:ext cx="1465545" cy="1315233"/>
-          </a:xfrm>
-          <a:prstGeom prst="rect">
-            <a:avLst/>
-          </a:prstGeom>
-        </p:spPr>
-        <p:style>
-          <a:lnRef idx="1">
-            <a:schemeClr val="accent6"/>
-          </a:lnRef>
-          <a:fillRef idx="3">
-            <a:schemeClr val="accent6"/>
-          </a:fillRef>
-          <a:effectRef idx="2">
-            <a:schemeClr val="accent6"/>
-          </a:effectRef>
-          <a:fontRef idx="minor">
-            <a:schemeClr val="lt1"/>
-          </a:fontRef>
-        </p:style>
-        <p:txBody>
-          <a:bodyPr rtlCol="0" anchor="ctr"/>
-          <a:lstStyle/>
-          <a:p>
-            <a:pPr algn="ctr"/>
-            <a:r>
-              <a:rPr lang="en-US" sz="3000" dirty="0"/>
-              <a:t>5</a:t>
-            </a:r>
-            <a:endParaRPr lang="en-PH" sz="3000" dirty="0"/>
-          </a:p>
-        </p:txBody>
-      </p:sp>
-    </p:spTree>
-    <p:extLst>
-      <p:ext uri="{BB962C8B-B14F-4D97-AF65-F5344CB8AC3E}">
-        <p14:creationId xmlns:p14="http://schemas.microsoft.com/office/powerpoint/2010/main" val="845598728"/>
-      </p:ext>
-    </p:extLst>
-  </p:cSld>
-  <p:clrMapOvr>
-    <a:masterClrMapping/>
-  </p:clrMapOvr>
-  <p:timing>
-    <p:tnLst>
-      <p:par>
-        <p:cTn id="1" dur="indefinite" restart="never" nodeType="tmRoot">
-          <p:childTnLst>
-            <p:seq concurrent="1" nextAc="seek">
-              <p:cTn id="2" dur="indefinite" nodeType="mainSeq">
-                <p:childTnLst>
-                  <p:par>
-                    <p:cTn id="3" fill="hold">
-                      <p:stCondLst>
-                        <p:cond delay="indefinite"/>
-                      </p:stCondLst>
-                      <p:childTnLst>
-                        <p:par>
-                          <p:cTn id="4" fill="hold">
-                            <p:stCondLst>
-                              <p:cond delay="0"/>
-                            </p:stCondLst>
-                            <p:childTnLst>
-                              <p:par>
-                                <p:cTn id="5" presetID="21" presetClass="emph" presetSubtype="0" fill="hold" grpId="0" nodeType="clickEffect">
-                                  <p:stCondLst>
-                                    <p:cond delay="0"/>
-                                  </p:stCondLst>
-                                  <p:childTnLst>
-                                    <p:animClr clrSpc="hsl" dir="cw">
-                                      <p:cBhvr override="childStyle">
-                                        <p:cTn id="6" dur="500" fill="hold"/>
-                                        <p:tgtEl>
-                                          <p:spTgt spid="3"/>
-                                        </p:tgtEl>
-                                        <p:attrNameLst>
-                                          <p:attrName>style.color</p:attrName>
-                                        </p:attrNameLst>
-                                      </p:cBhvr>
-                                      <p:by>
-                                        <p:hsl h="7200000" s="0" l="0"/>
-                                      </p:by>
-                                    </p:animClr>
-                                    <p:animClr clrSpc="hsl" dir="cw">
-                                      <p:cBhvr>
-                                        <p:cTn id="7" dur="500" fill="hold"/>
-                                        <p:tgtEl>
-                                          <p:spTgt spid="3"/>
-                                        </p:tgtEl>
-                                        <p:attrNameLst>
-                                          <p:attrName>fillcolor</p:attrName>
-                                        </p:attrNameLst>
-                                      </p:cBhvr>
-                                      <p:by>
-                                        <p:hsl h="7200000" s="0" l="0"/>
-                                      </p:by>
-                                    </p:animClr>
-                                    <p:animClr clrSpc="hsl" dir="cw">
-                                      <p:cBhvr>
-                                        <p:cTn id="8" dur="500" fill="hold"/>
-                                        <p:tgtEl>
-                                          <p:spTgt spid="3"/>
-                                        </p:tgtEl>
-                                        <p:attrNameLst>
-                                          <p:attrName>stroke.color</p:attrName>
-                                        </p:attrNameLst>
-                                      </p:cBhvr>
-                                      <p:by>
-                                        <p:hsl h="7200000" s="0" l="0"/>
-                                      </p:by>
-                                    </p:animClr>
-                                    <p:set>
-                                      <p:cBhvr>
-                                        <p:cTn id="9" dur="500" fill="hold"/>
-                                        <p:tgtEl>
-                                          <p:spTgt spid="3"/>
-                                        </p:tgtEl>
-                                        <p:attrNameLst>
-                                          <p:attrName>fill.type</p:attrName>
-                                        </p:attrNameLst>
-                                      </p:cBhvr>
-                                      <p:to>
-                                        <p:strVal val="solid"/>
-                                      </p:to>
-                                    </p:set>
-                                  </p:childTnLst>
-                                </p:cTn>
-                              </p:par>
-                              <p:par>
-                                <p:cTn id="10" presetID="21" presetClass="emph" presetSubtype="0" fill="hold" grpId="0" nodeType="withEffect">
-                                  <p:stCondLst>
-                                    <p:cond delay="0"/>
-                                  </p:stCondLst>
-                                  <p:childTnLst>
-                                    <p:animClr clrSpc="hsl" dir="cw">
-                                      <p:cBhvr override="childStyle">
-                                        <p:cTn id="11" dur="500" fill="hold"/>
-                                        <p:tgtEl>
-                                          <p:spTgt spid="7"/>
-                                        </p:tgtEl>
-                                        <p:attrNameLst>
-                                          <p:attrName>style.color</p:attrName>
-                                        </p:attrNameLst>
-                                      </p:cBhvr>
-                                      <p:by>
-                                        <p:hsl h="7200000" s="0" l="0"/>
-                                      </p:by>
-                                    </p:animClr>
-                                    <p:animClr clrSpc="hsl" dir="cw">
-                                      <p:cBhvr>
-                                        <p:cTn id="12" dur="500" fill="hold"/>
-                                        <p:tgtEl>
-                                          <p:spTgt spid="7"/>
-                                        </p:tgtEl>
-                                        <p:attrNameLst>
-                                          <p:attrName>fillcolor</p:attrName>
-                                        </p:attrNameLst>
-                                      </p:cBhvr>
-                                      <p:by>
-                                        <p:hsl h="7200000" s="0" l="0"/>
-                                      </p:by>
-                                    </p:animClr>
-                                    <p:animClr clrSpc="hsl" dir="cw">
-                                      <p:cBhvr>
-                                        <p:cTn id="13" dur="500" fill="hold"/>
-                                        <p:tgtEl>
-                                          <p:spTgt spid="7"/>
-                                        </p:tgtEl>
-                                        <p:attrNameLst>
-                                          <p:attrName>stroke.color</p:attrName>
-                                        </p:attrNameLst>
-                                      </p:cBhvr>
-                                      <p:by>
-                                        <p:hsl h="7200000" s="0" l="0"/>
-                                      </p:by>
-                                    </p:animClr>
-                                    <p:set>
-                                      <p:cBhvr>
-                                        <p:cTn id="14" dur="500" fill="hold"/>
-                                        <p:tgtEl>
-                                          <p:spTgt spid="7"/>
-                                        </p:tgtEl>
-                                        <p:attrNameLst>
-                                          <p:attrName>fill.type</p:attrName>
-                                        </p:attrNameLst>
-                                      </p:cBhvr>
-                                      <p:to>
-                                        <p:strVal val="solid"/>
-                                      </p:to>
-                                    </p:set>
-                                  </p:childTnLst>
-                                </p:cTn>
-                              </p:par>
-                            </p:childTnLst>
-                          </p:cTn>
-                        </p:par>
-                      </p:childTnLst>
-                    </p:cTn>
-                  </p:par>
-                </p:childTnLst>
-              </p:cTn>
-              <p:prevCondLst>
-                <p:cond evt="onPrev" delay="0">
-                  <p:tgtEl>
-                    <p:sldTgt/>
-                  </p:tgtEl>
-                </p:cond>
-              </p:prevCondLst>
-              <p:nextCondLst>
-                <p:cond evt="onNext" delay="0">
-                  <p:tgtEl>
-                    <p:sldTgt/>
-                  </p:tgtEl>
-                </p:cond>
-              </p:nextCondLst>
-            </p:seq>
-          </p:childTnLst>
-        </p:cTn>
-      </p:par>
-    </p:tnLst>
-    <p:bldLst>
-      <p:bldP spid="3" grpId="0" animBg="1"/>
-      <p:bldP spid="7" grpId="0" animBg="1"/>
-    </p:bldLst>
-  </p:timing>
-</p:sld>
-</file>
-
-<file path=ppt/slides/slide11.xml><?xml version="1.0" encoding="utf-8"?>
 <p:sld xmlns:a="http://schemas.openxmlformats.org/drawingml/2006/main" xmlns:r="http://schemas.openxmlformats.org/officeDocument/2006/relationships" xmlns:p="http://schemas.openxmlformats.org/presentationml/2006/main">
   <p:cSld>
     <p:bg>
@@ -6584,7 +5946,7 @@
 </p:sld>
 </file>
 
-<file path=ppt/slides/slide12.xml><?xml version="1.0" encoding="utf-8"?>
+<file path=ppt/slides/slide11.xml><?xml version="1.0" encoding="utf-8"?>
 <p:sld xmlns:a="http://schemas.openxmlformats.org/drawingml/2006/main" xmlns:r="http://schemas.openxmlformats.org/officeDocument/2006/relationships" xmlns:p="http://schemas.openxmlformats.org/presentationml/2006/main">
   <p:cSld>
     <p:bg>
@@ -7201,7 +6563,7 @@
 </p:sld>
 </file>
 
-<file path=ppt/slides/slide13.xml><?xml version="1.0" encoding="utf-8"?>
+<file path=ppt/slides/slide12.xml><?xml version="1.0" encoding="utf-8"?>
 <p:sld xmlns:a="http://schemas.openxmlformats.org/drawingml/2006/main" xmlns:r="http://schemas.openxmlformats.org/officeDocument/2006/relationships" xmlns:p="http://schemas.openxmlformats.org/presentationml/2006/main">
   <p:cSld>
     <p:bg>
@@ -7572,7 +6934,7 @@
 </p:sld>
 </file>
 
-<file path=ppt/slides/slide14.xml><?xml version="1.0" encoding="utf-8"?>
+<file path=ppt/slides/slide13.xml><?xml version="1.0" encoding="utf-8"?>
 <p:sld xmlns:a="http://schemas.openxmlformats.org/drawingml/2006/main" xmlns:r="http://schemas.openxmlformats.org/officeDocument/2006/relationships" xmlns:p="http://schemas.openxmlformats.org/presentationml/2006/main">
   <p:cSld>
     <p:bg>
@@ -8125,7 +7487,7 @@
 </p:sld>
 </file>
 
-<file path=ppt/slides/slide15.xml><?xml version="1.0" encoding="utf-8"?>
+<file path=ppt/slides/slide14.xml><?xml version="1.0" encoding="utf-8"?>
 <p:sld xmlns:a="http://schemas.openxmlformats.org/drawingml/2006/main" xmlns:r="http://schemas.openxmlformats.org/officeDocument/2006/relationships" xmlns:p="http://schemas.openxmlformats.org/presentationml/2006/main">
   <p:cSld>
     <p:bg>
@@ -8678,7 +8040,7 @@
 </p:sld>
 </file>
 
-<file path=ppt/slides/slide16.xml><?xml version="1.0" encoding="utf-8"?>
+<file path=ppt/slides/slide15.xml><?xml version="1.0" encoding="utf-8"?>
 <p:sld xmlns:a="http://schemas.openxmlformats.org/drawingml/2006/main" xmlns:r="http://schemas.openxmlformats.org/officeDocument/2006/relationships" xmlns:p="http://schemas.openxmlformats.org/presentationml/2006/main">
   <p:cSld>
     <p:bg>
@@ -9049,7 +8411,7 @@
 </p:sld>
 </file>
 
-<file path=ppt/slides/slide17.xml><?xml version="1.0" encoding="utf-8"?>
+<file path=ppt/slides/slide16.xml><?xml version="1.0" encoding="utf-8"?>
 <p:sld xmlns:a="http://schemas.openxmlformats.org/drawingml/2006/main" xmlns:r="http://schemas.openxmlformats.org/officeDocument/2006/relationships" xmlns:p="http://schemas.openxmlformats.org/presentationml/2006/main">
   <p:cSld>
     <p:bg>
@@ -9602,7 +8964,7 @@
 </p:sld>
 </file>
 
-<file path=ppt/slides/slide18.xml><?xml version="1.0" encoding="utf-8"?>
+<file path=ppt/slides/slide17.xml><?xml version="1.0" encoding="utf-8"?>
 <p:sld xmlns:a="http://schemas.openxmlformats.org/drawingml/2006/main" xmlns:r="http://schemas.openxmlformats.org/officeDocument/2006/relationships" xmlns:p="http://schemas.openxmlformats.org/presentationml/2006/main">
   <p:cSld>
     <p:bg>
@@ -9973,7 +9335,7 @@
 </p:sld>
 </file>
 
-<file path=ppt/slides/slide19.xml><?xml version="1.0" encoding="utf-8"?>
+<file path=ppt/slides/slide18.xml><?xml version="1.0" encoding="utf-8"?>
 <p:sld xmlns:a="http://schemas.openxmlformats.org/drawingml/2006/main" xmlns:r="http://schemas.openxmlformats.org/officeDocument/2006/relationships" xmlns:p="http://schemas.openxmlformats.org/presentationml/2006/main">
   <p:cSld>
     <p:bg>
@@ -10585,10 +9947,9 @@
           </a:bodyPr>
           <a:lstStyle/>
           <a:p>
-            <a:pPr algn="l"/>
             <a:r>
               <a:rPr lang="en-US" b="1" dirty="0"/>
-              <a:t>Outline</a:t>
+              <a:t>What is Sorting?</a:t>
             </a:r>
             <a:endParaRPr lang="en-PH" b="1" dirty="0"/>
           </a:p>
@@ -10741,7 +10102,7 @@
         </p:spPr>
         <p:txBody>
           <a:bodyPr vert="horz" lIns="91440" tIns="45720" rIns="91440" bIns="45720" rtlCol="0" anchor="b">
-            <a:normAutofit fontScale="90000" lnSpcReduction="20000"/>
+            <a:normAutofit fontScale="97500"/>
           </a:bodyPr>
           <a:lstStyle>
             <a:lvl1pPr algn="ctr" defTabSz="914400" rtl="0" eaLnBrk="1" latinLnBrk="0" hangingPunct="1">
@@ -10764,227 +10125,59 @@
           </a:lstStyle>
           <a:p>
             <a:pPr algn="l"/>
-            <a:endParaRPr lang="en-US" sz="3200" b="1" i="0" dirty="0">
-              <a:solidFill>
-                <a:srgbClr val="252C33"/>
-              </a:solidFill>
-              <a:effectLst/>
-              <a:latin typeface="Calibri Light (Headings)"/>
+            <a:r>
+              <a:rPr lang="en-US" sz="3000" dirty="0">
+                <a:latin typeface="Calibri Body"/>
+              </a:rPr>
+              <a:t>A sorting algorithm is used to arrange elements of an array/list in a specific order.</a:t>
+            </a:r>
+          </a:p>
+          <a:p>
+            <a:pPr algn="l"/>
+            <a:endParaRPr lang="en-US" sz="3000" dirty="0">
+              <a:latin typeface="Calibri Body"/>
             </a:endParaRPr>
           </a:p>
           <a:p>
-            <a:pPr marL="457200" indent="-457200" algn="l">
-              <a:buFont typeface="Wingdings" pitchFamily="2" charset="2"/>
-              <a:buChar char="Ø"/>
-            </a:pPr>
-            <a:endParaRPr lang="en-US" sz="3200" b="1" dirty="0">
-              <a:latin typeface="Calibri Light (Headings)"/>
+            <a:pPr algn="l"/>
+            <a:endParaRPr lang="en-US" sz="3000" dirty="0">
+              <a:latin typeface="Calibri Body"/>
             </a:endParaRPr>
           </a:p>
           <a:p>
-            <a:pPr marL="457200" indent="-457200" algn="l">
-              <a:buFont typeface="Wingdings" pitchFamily="2" charset="2"/>
-              <a:buChar char="Ø"/>
-            </a:pPr>
-            <a:r>
-              <a:rPr lang="en-US" sz="3200" b="1" dirty="0">
-                <a:latin typeface="Calibri Light (Headings)"/>
-              </a:rPr>
-              <a:t>What is Sorting?</a:t>
-            </a:r>
-          </a:p>
-          <a:p>
-            <a:pPr marL="457200" indent="-457200" algn="l">
-              <a:buFont typeface="Wingdings" pitchFamily="2" charset="2"/>
-              <a:buChar char="Ø"/>
-            </a:pPr>
-            <a:endParaRPr lang="en-US" sz="3200" b="1" dirty="0">
-              <a:solidFill>
-                <a:schemeClr val="tx1">
-                  <a:lumMod val="50000"/>
-                  <a:lumOff val="50000"/>
-                </a:schemeClr>
-              </a:solidFill>
-              <a:latin typeface="Calibri Light (Headings)"/>
+            <a:pPr algn="l"/>
+            <a:endParaRPr lang="en-US" sz="3000" dirty="0">
+              <a:latin typeface="Calibri Body"/>
             </a:endParaRPr>
           </a:p>
           <a:p>
-            <a:pPr marL="457200" indent="-457200" algn="l">
-              <a:buFont typeface="Wingdings" pitchFamily="2" charset="2"/>
-              <a:buChar char="Ø"/>
-            </a:pPr>
-            <a:r>
-              <a:rPr lang="en-US" sz="3200" b="1" dirty="0">
-                <a:solidFill>
-                  <a:schemeClr val="tx1">
-                    <a:lumMod val="50000"/>
-                    <a:lumOff val="50000"/>
-                  </a:schemeClr>
-                </a:solidFill>
-                <a:latin typeface="Calibri Light (Headings)"/>
-              </a:rPr>
-              <a:t>Bubble Sort</a:t>
-            </a:r>
-            <a:endParaRPr lang="en-US" sz="3200" b="1" i="0" dirty="0">
-              <a:solidFill>
-                <a:schemeClr val="tx1">
-                  <a:lumMod val="50000"/>
-                  <a:lumOff val="50000"/>
-                </a:schemeClr>
-              </a:solidFill>
-              <a:effectLst/>
-              <a:latin typeface="Calibri Light (Headings)"/>
+            <a:pPr algn="l"/>
+            <a:endParaRPr lang="en-US" sz="3000" dirty="0">
+              <a:latin typeface="Calibri Body"/>
             </a:endParaRPr>
           </a:p>
           <a:p>
             <a:pPr algn="l"/>
-            <a:endParaRPr lang="en-US" sz="3200" b="1" i="0" dirty="0">
-              <a:solidFill>
-                <a:srgbClr val="252C33"/>
-              </a:solidFill>
-              <a:effectLst/>
-              <a:latin typeface="Calibri Light (Headings)"/>
+            <a:endParaRPr lang="en-US" sz="3000" dirty="0">
+              <a:latin typeface="Calibri Body"/>
             </a:endParaRPr>
           </a:p>
           <a:p>
-            <a:pPr marL="457200" indent="-457200" algn="l">
-              <a:buFont typeface="Wingdings" pitchFamily="2" charset="2"/>
-              <a:buChar char="Ø"/>
-            </a:pPr>
-            <a:r>
-              <a:rPr lang="en-US" sz="3200" b="1" dirty="0">
-                <a:solidFill>
-                  <a:schemeClr val="tx1">
-                    <a:lumMod val="50000"/>
-                    <a:lumOff val="50000"/>
-                  </a:schemeClr>
-                </a:solidFill>
-                <a:latin typeface="Calibri Light (Headings)"/>
-              </a:rPr>
-              <a:t>Selection Sort</a:t>
-            </a:r>
-          </a:p>
-          <a:p>
-            <a:pPr marL="457200" indent="-457200" algn="l">
-              <a:buFont typeface="Wingdings" pitchFamily="2" charset="2"/>
-              <a:buChar char="Ø"/>
-            </a:pPr>
-            <a:endParaRPr lang="en-US" sz="3200" b="1" dirty="0">
-              <a:solidFill>
-                <a:schemeClr val="tx1">
-                  <a:lumMod val="50000"/>
-                  <a:lumOff val="50000"/>
-                </a:schemeClr>
-              </a:solidFill>
-              <a:latin typeface="Calibri Light (Headings)"/>
+            <a:pPr algn="l"/>
+            <a:endParaRPr lang="en-US" sz="3000" dirty="0">
+              <a:latin typeface="Calibri Body"/>
             </a:endParaRPr>
           </a:p>
           <a:p>
-            <a:pPr marL="457200" indent="-457200" algn="l">
-              <a:buFont typeface="Wingdings" pitchFamily="2" charset="2"/>
-              <a:buChar char="Ø"/>
-            </a:pPr>
-            <a:r>
-              <a:rPr lang="en-US" sz="3200" b="1" dirty="0">
-                <a:solidFill>
-                  <a:schemeClr val="tx1">
-                    <a:lumMod val="50000"/>
-                    <a:lumOff val="50000"/>
-                  </a:schemeClr>
-                </a:solidFill>
-                <a:latin typeface="Calibri Light (Headings)"/>
-              </a:rPr>
-              <a:t>Insertion Sort</a:t>
-            </a:r>
-          </a:p>
-          <a:p>
-            <a:pPr marL="457200" indent="-457200" algn="l">
-              <a:buFont typeface="Wingdings" pitchFamily="2" charset="2"/>
-              <a:buChar char="Ø"/>
-            </a:pPr>
-            <a:endParaRPr lang="en-US" sz="3200" b="1" dirty="0">
-              <a:solidFill>
-                <a:schemeClr val="tx1">
-                  <a:lumMod val="50000"/>
-                  <a:lumOff val="50000"/>
-                </a:schemeClr>
-              </a:solidFill>
-              <a:latin typeface="Calibri Light (Headings)"/>
+            <a:pPr algn="l"/>
+            <a:endParaRPr lang="en-US" sz="3000" dirty="0">
+              <a:latin typeface="Calibri Body"/>
             </a:endParaRPr>
           </a:p>
           <a:p>
-            <a:pPr marL="457200" indent="-457200" algn="l">
-              <a:buFont typeface="Wingdings" pitchFamily="2" charset="2"/>
-              <a:buChar char="Ø"/>
-            </a:pPr>
-            <a:r>
-              <a:rPr lang="en-US" sz="3200" b="1" dirty="0">
-                <a:solidFill>
-                  <a:schemeClr val="tx1">
-                    <a:lumMod val="50000"/>
-                    <a:lumOff val="50000"/>
-                  </a:schemeClr>
-                </a:solidFill>
-                <a:latin typeface="Calibri Light (Headings)"/>
-              </a:rPr>
-              <a:t>Merge Sort</a:t>
-            </a:r>
-          </a:p>
-          <a:p>
-            <a:pPr marL="457200" indent="-457200" algn="l">
-              <a:buFont typeface="Wingdings" pitchFamily="2" charset="2"/>
-              <a:buChar char="Ø"/>
-            </a:pPr>
-            <a:endParaRPr lang="en-US" sz="3200" b="1" dirty="0">
-              <a:solidFill>
-                <a:schemeClr val="tx1">
-                  <a:lumMod val="50000"/>
-                  <a:lumOff val="50000"/>
-                </a:schemeClr>
-              </a:solidFill>
-              <a:latin typeface="Calibri Light (Headings)"/>
-            </a:endParaRPr>
-          </a:p>
-          <a:p>
-            <a:pPr marL="457200" indent="-457200" algn="l">
-              <a:buFont typeface="Wingdings" pitchFamily="2" charset="2"/>
-              <a:buChar char="Ø"/>
-            </a:pPr>
-            <a:r>
-              <a:rPr lang="en-US" sz="3200" b="1" dirty="0">
-                <a:solidFill>
-                  <a:schemeClr val="tx1">
-                    <a:lumMod val="50000"/>
-                    <a:lumOff val="50000"/>
-                  </a:schemeClr>
-                </a:solidFill>
-                <a:latin typeface="Calibri Light (Headings)"/>
-              </a:rPr>
-              <a:t>Quick Sort</a:t>
-            </a:r>
-          </a:p>
-          <a:p>
             <a:pPr algn="l"/>
-            <a:endParaRPr lang="en-US" sz="3200" b="1" dirty="0">
-              <a:solidFill>
-                <a:schemeClr val="tx1">
-                  <a:lumMod val="50000"/>
-                  <a:lumOff val="50000"/>
-                </a:schemeClr>
-              </a:solidFill>
-              <a:latin typeface="Calibri Light (Headings)"/>
-            </a:endParaRPr>
-          </a:p>
-          <a:p>
-            <a:pPr algn="l"/>
-            <a:endParaRPr lang="en-US" sz="3200" b="1" dirty="0">
-              <a:solidFill>
-                <a:schemeClr val="tx1">
-                  <a:lumMod val="50000"/>
-                  <a:lumOff val="50000"/>
-                </a:schemeClr>
-              </a:solidFill>
-              <a:latin typeface="Calibri Light (Headings)"/>
+            <a:endParaRPr lang="en-US" sz="3000" dirty="0">
+              <a:latin typeface="Calibri Body"/>
             </a:endParaRPr>
           </a:p>
         </p:txBody>
@@ -10992,7 +10185,7 @@
     </p:spTree>
     <p:extLst>
       <p:ext uri="{BB962C8B-B14F-4D97-AF65-F5344CB8AC3E}">
-        <p14:creationId xmlns:p14="http://schemas.microsoft.com/office/powerpoint/2010/main" val="2921172567"/>
+        <p14:creationId xmlns:p14="http://schemas.microsoft.com/office/powerpoint/2010/main" val="2376449834"/>
       </p:ext>
     </p:extLst>
   </p:cSld>
@@ -11064,314 +10257,6 @@
           <a:p>
             <a:r>
               <a:rPr lang="en-US" b="1" dirty="0"/>
-              <a:t>What is Sorting?</a:t>
-            </a:r>
-            <a:endParaRPr lang="en-PH" b="1" dirty="0"/>
-          </a:p>
-        </p:txBody>
-      </p:sp>
-      <p:sp>
-        <p:nvSpPr>
-          <p:cNvPr id="4" name="Footer Placeholder 3">
-            <a:extLst>
-              <a:ext uri="{FF2B5EF4-FFF2-40B4-BE49-F238E27FC236}">
-                <a16:creationId xmlns:a16="http://schemas.microsoft.com/office/drawing/2014/main" id="{638E7DE1-45EE-476A-A474-0F3C264AEDA3}"/>
-              </a:ext>
-            </a:extLst>
-          </p:cNvPr>
-          <p:cNvSpPr>
-            <a:spLocks noGrp="1"/>
-          </p:cNvSpPr>
-          <p:nvPr>
-            <p:ph type="ftr" sz="quarter" idx="11"/>
-          </p:nvPr>
-        </p:nvSpPr>
-        <p:spPr>
-          <a:xfrm>
-            <a:off x="0" y="6139541"/>
-            <a:ext cx="12192000" cy="718459"/>
-          </a:xfrm>
-          <a:ln w="28575">
-            <a:solidFill>
-              <a:schemeClr val="accent5">
-                <a:lumMod val="50000"/>
-              </a:schemeClr>
-            </a:solidFill>
-          </a:ln>
-        </p:spPr>
-        <p:txBody>
-          <a:bodyPr/>
-          <a:lstStyle/>
-          <a:p>
-            <a:pPr algn="r"/>
-            <a:r>
-              <a:rPr lang="en-US" sz="1200" b="1" dirty="0">
-                <a:solidFill>
-                  <a:schemeClr val="tx1"/>
-                </a:solidFill>
-              </a:rPr>
-              <a:t>CCDATRCL</a:t>
-            </a:r>
-            <a:endParaRPr lang="en-PH" b="1" dirty="0">
-              <a:solidFill>
-                <a:schemeClr val="tx1"/>
-              </a:solidFill>
-            </a:endParaRPr>
-          </a:p>
-        </p:txBody>
-      </p:sp>
-      <p:sp>
-        <p:nvSpPr>
-          <p:cNvPr id="5" name="Title 1">
-            <a:extLst>
-              <a:ext uri="{FF2B5EF4-FFF2-40B4-BE49-F238E27FC236}">
-                <a16:creationId xmlns:a16="http://schemas.microsoft.com/office/drawing/2014/main" id="{3444037F-B658-D82C-5DCA-53E8AA1493D7}"/>
-              </a:ext>
-            </a:extLst>
-          </p:cNvPr>
-          <p:cNvSpPr txBox="1">
-            <a:spLocks/>
-          </p:cNvSpPr>
-          <p:nvPr/>
-        </p:nvSpPr>
-        <p:spPr>
-          <a:xfrm>
-            <a:off x="1524000" y="1516449"/>
-            <a:ext cx="9144000" cy="4290585"/>
-          </a:xfrm>
-          <a:prstGeom prst="rect">
-            <a:avLst/>
-          </a:prstGeom>
-        </p:spPr>
-        <p:txBody>
-          <a:bodyPr vert="horz" lIns="91440" tIns="45720" rIns="91440" bIns="45720" rtlCol="0" anchor="b">
-            <a:normAutofit fontScale="97500"/>
-          </a:bodyPr>
-          <a:lstStyle>
-            <a:lvl1pPr algn="ctr" defTabSz="914400" rtl="0" eaLnBrk="1" latinLnBrk="0" hangingPunct="1">
-              <a:lnSpc>
-                <a:spcPct val="90000"/>
-              </a:lnSpc>
-              <a:spcBef>
-                <a:spcPct val="0"/>
-              </a:spcBef>
-              <a:buNone/>
-              <a:defRPr sz="6000" kern="1200">
-                <a:solidFill>
-                  <a:schemeClr val="tx1"/>
-                </a:solidFill>
-                <a:latin typeface="+mj-lt"/>
-                <a:ea typeface="+mj-ea"/>
-                <a:cs typeface="+mj-cs"/>
-              </a:defRPr>
-            </a:lvl1pPr>
-          </a:lstStyle>
-          <a:p>
-            <a:pPr algn="l"/>
-            <a:endParaRPr lang="en-US" sz="3100" dirty="0"/>
-          </a:p>
-          <a:p>
-            <a:pPr algn="l"/>
-            <a:endParaRPr lang="en-US" sz="3100" dirty="0"/>
-          </a:p>
-          <a:p>
-            <a:pPr algn="l"/>
-            <a:endParaRPr lang="en-US" sz="3100" dirty="0"/>
-          </a:p>
-          <a:p>
-            <a:pPr algn="l"/>
-            <a:endParaRPr lang="en-US" sz="3100" dirty="0"/>
-          </a:p>
-          <a:p>
-            <a:pPr algn="l"/>
-            <a:endParaRPr lang="en-US" sz="3000" dirty="0"/>
-          </a:p>
-          <a:p>
-            <a:pPr algn="l"/>
-            <a:endParaRPr lang="en-US" sz="3000" dirty="0"/>
-          </a:p>
-        </p:txBody>
-      </p:sp>
-      <p:sp>
-        <p:nvSpPr>
-          <p:cNvPr id="6" name="Title 1">
-            <a:extLst>
-              <a:ext uri="{FF2B5EF4-FFF2-40B4-BE49-F238E27FC236}">
-                <a16:creationId xmlns:a16="http://schemas.microsoft.com/office/drawing/2014/main" id="{879887DE-B428-5BE2-2F47-C61D85B0141C}"/>
-              </a:ext>
-            </a:extLst>
-          </p:cNvPr>
-          <p:cNvSpPr txBox="1">
-            <a:spLocks/>
-          </p:cNvSpPr>
-          <p:nvPr/>
-        </p:nvSpPr>
-        <p:spPr>
-          <a:xfrm>
-            <a:off x="732773" y="1548116"/>
-            <a:ext cx="10803698" cy="4290585"/>
-          </a:xfrm>
-          <a:prstGeom prst="rect">
-            <a:avLst/>
-          </a:prstGeom>
-        </p:spPr>
-        <p:txBody>
-          <a:bodyPr vert="horz" lIns="91440" tIns="45720" rIns="91440" bIns="45720" rtlCol="0" anchor="b">
-            <a:normAutofit fontScale="97500"/>
-          </a:bodyPr>
-          <a:lstStyle>
-            <a:lvl1pPr algn="ctr" defTabSz="914400" rtl="0" eaLnBrk="1" latinLnBrk="0" hangingPunct="1">
-              <a:lnSpc>
-                <a:spcPct val="90000"/>
-              </a:lnSpc>
-              <a:spcBef>
-                <a:spcPct val="0"/>
-              </a:spcBef>
-              <a:buNone/>
-              <a:defRPr sz="6000" kern="1200">
-                <a:solidFill>
-                  <a:schemeClr val="tx1"/>
-                </a:solidFill>
-                <a:latin typeface="+mj-lt"/>
-                <a:ea typeface="+mj-ea"/>
-                <a:cs typeface="+mj-cs"/>
-              </a:defRPr>
-            </a:lvl1pPr>
-          </a:lstStyle>
-          <a:p>
-            <a:pPr algn="l"/>
-            <a:r>
-              <a:rPr lang="en-US" sz="3000" dirty="0">
-                <a:latin typeface="Calibri Body"/>
-              </a:rPr>
-              <a:t>A sorting algorithm is used to arrange elements of an array/list in a specific order.</a:t>
-            </a:r>
-          </a:p>
-          <a:p>
-            <a:pPr algn="l"/>
-            <a:endParaRPr lang="en-US" sz="3000" dirty="0">
-              <a:latin typeface="Calibri Body"/>
-            </a:endParaRPr>
-          </a:p>
-          <a:p>
-            <a:pPr algn="l"/>
-            <a:endParaRPr lang="en-US" sz="3000" dirty="0">
-              <a:latin typeface="Calibri Body"/>
-            </a:endParaRPr>
-          </a:p>
-          <a:p>
-            <a:pPr algn="l"/>
-            <a:endParaRPr lang="en-US" sz="3000" dirty="0">
-              <a:latin typeface="Calibri Body"/>
-            </a:endParaRPr>
-          </a:p>
-          <a:p>
-            <a:pPr algn="l"/>
-            <a:endParaRPr lang="en-US" sz="3000" dirty="0">
-              <a:latin typeface="Calibri Body"/>
-            </a:endParaRPr>
-          </a:p>
-          <a:p>
-            <a:pPr algn="l"/>
-            <a:endParaRPr lang="en-US" sz="3000" dirty="0">
-              <a:latin typeface="Calibri Body"/>
-            </a:endParaRPr>
-          </a:p>
-          <a:p>
-            <a:pPr algn="l"/>
-            <a:endParaRPr lang="en-US" sz="3000" dirty="0">
-              <a:latin typeface="Calibri Body"/>
-            </a:endParaRPr>
-          </a:p>
-          <a:p>
-            <a:pPr algn="l"/>
-            <a:endParaRPr lang="en-US" sz="3000" dirty="0">
-              <a:latin typeface="Calibri Body"/>
-            </a:endParaRPr>
-          </a:p>
-          <a:p>
-            <a:pPr algn="l"/>
-            <a:endParaRPr lang="en-US" sz="3000" dirty="0">
-              <a:latin typeface="Calibri Body"/>
-            </a:endParaRPr>
-          </a:p>
-        </p:txBody>
-      </p:sp>
-    </p:spTree>
-    <p:extLst>
-      <p:ext uri="{BB962C8B-B14F-4D97-AF65-F5344CB8AC3E}">
-        <p14:creationId xmlns:p14="http://schemas.microsoft.com/office/powerpoint/2010/main" val="2376449834"/>
-      </p:ext>
-    </p:extLst>
-  </p:cSld>
-  <p:clrMapOvr>
-    <a:masterClrMapping/>
-  </p:clrMapOvr>
-</p:sld>
-</file>
-
-<file path=ppt/slides/slide4.xml><?xml version="1.0" encoding="utf-8"?>
-<p:sld xmlns:a="http://schemas.openxmlformats.org/drawingml/2006/main" xmlns:r="http://schemas.openxmlformats.org/officeDocument/2006/relationships" xmlns:p="http://schemas.openxmlformats.org/presentationml/2006/main">
-  <p:cSld>
-    <p:bg>
-      <p:bgPr>
-        <a:blipFill dpi="0" rotWithShape="1">
-          <a:blip r:embed="rId3">
-            <a:alphaModFix amt="99000"/>
-            <a:lum/>
-          </a:blip>
-          <a:srcRect/>
-          <a:stretch>
-            <a:fillRect t="89000" r="85000" b="-1000"/>
-          </a:stretch>
-        </a:blipFill>
-        <a:effectLst/>
-      </p:bgPr>
-    </p:bg>
-    <p:spTree>
-      <p:nvGrpSpPr>
-        <p:cNvPr id="1" name=""/>
-        <p:cNvGrpSpPr/>
-        <p:nvPr/>
-      </p:nvGrpSpPr>
-      <p:grpSpPr>
-        <a:xfrm>
-          <a:off x="0" y="0"/>
-          <a:ext cx="0" cy="0"/>
-          <a:chOff x="0" y="0"/>
-          <a:chExt cx="0" cy="0"/>
-        </a:xfrm>
-      </p:grpSpPr>
-      <p:sp>
-        <p:nvSpPr>
-          <p:cNvPr id="2" name="Title 1">
-            <a:extLst>
-              <a:ext uri="{FF2B5EF4-FFF2-40B4-BE49-F238E27FC236}">
-                <a16:creationId xmlns:a16="http://schemas.microsoft.com/office/drawing/2014/main" id="{6A3DCE86-C2BA-4713-9E7A-73589E8D6CCF}"/>
-              </a:ext>
-            </a:extLst>
-          </p:cNvPr>
-          <p:cNvSpPr>
-            <a:spLocks noGrp="1"/>
-          </p:cNvSpPr>
-          <p:nvPr>
-            <p:ph type="ctrTitle"/>
-          </p:nvPr>
-        </p:nvSpPr>
-        <p:spPr>
-          <a:xfrm>
-            <a:off x="732773" y="497150"/>
-            <a:ext cx="9935227" cy="718459"/>
-          </a:xfrm>
-        </p:spPr>
-        <p:txBody>
-          <a:bodyPr>
-            <a:normAutofit fontScale="90000"/>
-          </a:bodyPr>
-          <a:lstStyle/>
-          <a:p>
-            <a:r>
-              <a:rPr lang="en-US" b="1" dirty="0"/>
               <a:t>Bubble Sort</a:t>
             </a:r>
             <a:endParaRPr lang="en-PH" b="1" dirty="0"/>
@@ -11654,7 +10539,7 @@
 </p:sld>
 </file>
 
-<file path=ppt/slides/slide5.xml><?xml version="1.0" encoding="utf-8"?>
+<file path=ppt/slides/slide4.xml><?xml version="1.0" encoding="utf-8"?>
 <p:sld xmlns:a="http://schemas.openxmlformats.org/drawingml/2006/main" xmlns:r="http://schemas.openxmlformats.org/officeDocument/2006/relationships" xmlns:p="http://schemas.openxmlformats.org/presentationml/2006/main">
   <p:cSld>
     <p:bg>
@@ -12269,7 +11154,7 @@
 </p:sld>
 </file>
 
-<file path=ppt/slides/slide6.xml><?xml version="1.0" encoding="utf-8"?>
+<file path=ppt/slides/slide5.xml><?xml version="1.0" encoding="utf-8"?>
 <p:sld xmlns:a="http://schemas.openxmlformats.org/drawingml/2006/main" xmlns:r="http://schemas.openxmlformats.org/officeDocument/2006/relationships" xmlns:p="http://schemas.openxmlformats.org/presentationml/2006/main">
   <p:cSld>
     <p:bg>
@@ -12822,7 +11707,7 @@
 </p:sld>
 </file>
 
-<file path=ppt/slides/slide7.xml><?xml version="1.0" encoding="utf-8"?>
+<file path=ppt/slides/slide6.xml><?xml version="1.0" encoding="utf-8"?>
 <p:sld xmlns:a="http://schemas.openxmlformats.org/drawingml/2006/main" xmlns:r="http://schemas.openxmlformats.org/officeDocument/2006/relationships" xmlns:p="http://schemas.openxmlformats.org/presentationml/2006/main">
   <p:cSld>
     <p:bg>
@@ -13375,7 +12260,7 @@
 </p:sld>
 </file>
 
-<file path=ppt/slides/slide8.xml><?xml version="1.0" encoding="utf-8"?>
+<file path=ppt/slides/slide7.xml><?xml version="1.0" encoding="utf-8"?>
 <p:sld xmlns:a="http://schemas.openxmlformats.org/drawingml/2006/main" xmlns:r="http://schemas.openxmlformats.org/officeDocument/2006/relationships" xmlns:p="http://schemas.openxmlformats.org/presentationml/2006/main">
   <p:cSld>
     <p:bg>
@@ -13992,6 +12877,377 @@
 </p:sld>
 </file>
 
+<file path=ppt/slides/slide8.xml><?xml version="1.0" encoding="utf-8"?>
+<p:sld xmlns:a="http://schemas.openxmlformats.org/drawingml/2006/main" xmlns:r="http://schemas.openxmlformats.org/officeDocument/2006/relationships" xmlns:p="http://schemas.openxmlformats.org/presentationml/2006/main">
+  <p:cSld>
+    <p:bg>
+      <p:bgPr>
+        <a:blipFill dpi="0" rotWithShape="1">
+          <a:blip r:embed="rId3">
+            <a:alphaModFix amt="99000"/>
+            <a:lum/>
+          </a:blip>
+          <a:srcRect/>
+          <a:stretch>
+            <a:fillRect t="89000" r="85000" b="-1000"/>
+          </a:stretch>
+        </a:blipFill>
+        <a:effectLst/>
+      </p:bgPr>
+    </p:bg>
+    <p:spTree>
+      <p:nvGrpSpPr>
+        <p:cNvPr id="1" name=""/>
+        <p:cNvGrpSpPr/>
+        <p:nvPr/>
+      </p:nvGrpSpPr>
+      <p:grpSpPr>
+        <a:xfrm>
+          <a:off x="0" y="0"/>
+          <a:ext cx="0" cy="0"/>
+          <a:chOff x="0" y="0"/>
+          <a:chExt cx="0" cy="0"/>
+        </a:xfrm>
+      </p:grpSpPr>
+      <p:sp>
+        <p:nvSpPr>
+          <p:cNvPr id="2" name="Title 1">
+            <a:extLst>
+              <a:ext uri="{FF2B5EF4-FFF2-40B4-BE49-F238E27FC236}">
+                <a16:creationId xmlns:a16="http://schemas.microsoft.com/office/drawing/2014/main" id="{6A3DCE86-C2BA-4713-9E7A-73589E8D6CCF}"/>
+              </a:ext>
+            </a:extLst>
+          </p:cNvPr>
+          <p:cNvSpPr>
+            <a:spLocks noGrp="1"/>
+          </p:cNvSpPr>
+          <p:nvPr>
+            <p:ph type="ctrTitle"/>
+          </p:nvPr>
+        </p:nvSpPr>
+        <p:spPr>
+          <a:xfrm>
+            <a:off x="732773" y="497150"/>
+            <a:ext cx="9935227" cy="718459"/>
+          </a:xfrm>
+        </p:spPr>
+        <p:txBody>
+          <a:bodyPr>
+            <a:normAutofit fontScale="90000"/>
+          </a:bodyPr>
+          <a:lstStyle/>
+          <a:p>
+            <a:r>
+              <a:rPr lang="en-US" b="1" dirty="0"/>
+              <a:t>Bubble Sort</a:t>
+            </a:r>
+            <a:endParaRPr lang="en-PH" b="1" dirty="0"/>
+          </a:p>
+        </p:txBody>
+      </p:sp>
+      <p:sp>
+        <p:nvSpPr>
+          <p:cNvPr id="4" name="Footer Placeholder 3">
+            <a:extLst>
+              <a:ext uri="{FF2B5EF4-FFF2-40B4-BE49-F238E27FC236}">
+                <a16:creationId xmlns:a16="http://schemas.microsoft.com/office/drawing/2014/main" id="{638E7DE1-45EE-476A-A474-0F3C264AEDA3}"/>
+              </a:ext>
+            </a:extLst>
+          </p:cNvPr>
+          <p:cNvSpPr>
+            <a:spLocks noGrp="1"/>
+          </p:cNvSpPr>
+          <p:nvPr>
+            <p:ph type="ftr" sz="quarter" idx="11"/>
+          </p:nvPr>
+        </p:nvSpPr>
+        <p:spPr>
+          <a:xfrm>
+            <a:off x="0" y="6139541"/>
+            <a:ext cx="12192000" cy="718459"/>
+          </a:xfrm>
+          <a:ln w="28575">
+            <a:solidFill>
+              <a:schemeClr val="accent5">
+                <a:lumMod val="50000"/>
+              </a:schemeClr>
+            </a:solidFill>
+          </a:ln>
+        </p:spPr>
+        <p:txBody>
+          <a:bodyPr/>
+          <a:lstStyle/>
+          <a:p>
+            <a:pPr algn="r"/>
+            <a:r>
+              <a:rPr lang="en-US" sz="1200" b="1" dirty="0">
+                <a:solidFill>
+                  <a:schemeClr val="tx1"/>
+                </a:solidFill>
+              </a:rPr>
+              <a:t>CCDATRCL</a:t>
+            </a:r>
+            <a:endParaRPr lang="en-PH" b="1" dirty="0">
+              <a:solidFill>
+                <a:schemeClr val="tx1"/>
+              </a:solidFill>
+            </a:endParaRPr>
+          </a:p>
+        </p:txBody>
+      </p:sp>
+      <p:sp>
+        <p:nvSpPr>
+          <p:cNvPr id="3" name="Rectangle 2">
+            <a:extLst>
+              <a:ext uri="{FF2B5EF4-FFF2-40B4-BE49-F238E27FC236}">
+                <a16:creationId xmlns:a16="http://schemas.microsoft.com/office/drawing/2014/main" id="{27D20710-BEC7-3B54-036C-9BEAE7B3DFFE}"/>
+              </a:ext>
+            </a:extLst>
+          </p:cNvPr>
+          <p:cNvSpPr/>
+          <p:nvPr/>
+        </p:nvSpPr>
+        <p:spPr>
+          <a:xfrm>
+            <a:off x="1693538" y="2113767"/>
+            <a:ext cx="1465545" cy="1315233"/>
+          </a:xfrm>
+          <a:prstGeom prst="rect">
+            <a:avLst/>
+          </a:prstGeom>
+        </p:spPr>
+        <p:style>
+          <a:lnRef idx="1">
+            <a:schemeClr val="accent5"/>
+          </a:lnRef>
+          <a:fillRef idx="3">
+            <a:schemeClr val="accent5"/>
+          </a:fillRef>
+          <a:effectRef idx="2">
+            <a:schemeClr val="accent5"/>
+          </a:effectRef>
+          <a:fontRef idx="minor">
+            <a:schemeClr val="lt1"/>
+          </a:fontRef>
+        </p:style>
+        <p:txBody>
+          <a:bodyPr rtlCol="0" anchor="ctr"/>
+          <a:lstStyle/>
+          <a:p>
+            <a:pPr algn="ctr"/>
+            <a:r>
+              <a:rPr lang="en-US" sz="3000" dirty="0"/>
+              <a:t>1</a:t>
+            </a:r>
+            <a:endParaRPr lang="en-PH" sz="3000" dirty="0"/>
+          </a:p>
+        </p:txBody>
+      </p:sp>
+      <p:sp>
+        <p:nvSpPr>
+          <p:cNvPr id="7" name="Rectangle 6">
+            <a:extLst>
+              <a:ext uri="{FF2B5EF4-FFF2-40B4-BE49-F238E27FC236}">
+                <a16:creationId xmlns:a16="http://schemas.microsoft.com/office/drawing/2014/main" id="{F9C19329-EED1-B43F-5C9E-F79AB75A3F92}"/>
+              </a:ext>
+            </a:extLst>
+          </p:cNvPr>
+          <p:cNvSpPr/>
+          <p:nvPr/>
+        </p:nvSpPr>
+        <p:spPr>
+          <a:xfrm>
+            <a:off x="3325400" y="2113768"/>
+            <a:ext cx="1465545" cy="1315233"/>
+          </a:xfrm>
+          <a:prstGeom prst="rect">
+            <a:avLst/>
+          </a:prstGeom>
+        </p:spPr>
+        <p:style>
+          <a:lnRef idx="1">
+            <a:schemeClr val="accent5"/>
+          </a:lnRef>
+          <a:fillRef idx="3">
+            <a:schemeClr val="accent5"/>
+          </a:fillRef>
+          <a:effectRef idx="2">
+            <a:schemeClr val="accent5"/>
+          </a:effectRef>
+          <a:fontRef idx="minor">
+            <a:schemeClr val="lt1"/>
+          </a:fontRef>
+        </p:style>
+        <p:txBody>
+          <a:bodyPr rtlCol="0" anchor="ctr"/>
+          <a:lstStyle/>
+          <a:p>
+            <a:pPr algn="ctr"/>
+            <a:r>
+              <a:rPr lang="en-US" sz="3000" dirty="0"/>
+              <a:t>2</a:t>
+            </a:r>
+            <a:endParaRPr lang="en-PH" sz="3000" dirty="0"/>
+          </a:p>
+        </p:txBody>
+      </p:sp>
+      <p:sp>
+        <p:nvSpPr>
+          <p:cNvPr id="8" name="Rectangle 7">
+            <a:extLst>
+              <a:ext uri="{FF2B5EF4-FFF2-40B4-BE49-F238E27FC236}">
+                <a16:creationId xmlns:a16="http://schemas.microsoft.com/office/drawing/2014/main" id="{C4A7604A-5617-6E68-9F69-D44305AF4D95}"/>
+              </a:ext>
+            </a:extLst>
+          </p:cNvPr>
+          <p:cNvSpPr/>
+          <p:nvPr/>
+        </p:nvSpPr>
+        <p:spPr>
+          <a:xfrm>
+            <a:off x="4988230" y="2113767"/>
+            <a:ext cx="1465545" cy="1315233"/>
+          </a:xfrm>
+          <a:prstGeom prst="rect">
+            <a:avLst/>
+          </a:prstGeom>
+        </p:spPr>
+        <p:style>
+          <a:lnRef idx="1">
+            <a:schemeClr val="accent5"/>
+          </a:lnRef>
+          <a:fillRef idx="3">
+            <a:schemeClr val="accent5"/>
+          </a:fillRef>
+          <a:effectRef idx="2">
+            <a:schemeClr val="accent5"/>
+          </a:effectRef>
+          <a:fontRef idx="minor">
+            <a:schemeClr val="lt1"/>
+          </a:fontRef>
+        </p:style>
+        <p:txBody>
+          <a:bodyPr rtlCol="0" anchor="ctr"/>
+          <a:lstStyle/>
+          <a:p>
+            <a:pPr algn="ctr"/>
+            <a:r>
+              <a:rPr lang="en-US" sz="3000" dirty="0"/>
+              <a:t>4</a:t>
+            </a:r>
+            <a:endParaRPr lang="en-PH" sz="3000" dirty="0"/>
+          </a:p>
+        </p:txBody>
+      </p:sp>
+      <p:sp>
+        <p:nvSpPr>
+          <p:cNvPr id="9" name="Rectangle 8">
+            <a:extLst>
+              <a:ext uri="{FF2B5EF4-FFF2-40B4-BE49-F238E27FC236}">
+                <a16:creationId xmlns:a16="http://schemas.microsoft.com/office/drawing/2014/main" id="{9C094D5E-C143-ED16-3721-EB2032D1B02B}"/>
+              </a:ext>
+            </a:extLst>
+          </p:cNvPr>
+          <p:cNvSpPr/>
+          <p:nvPr/>
+        </p:nvSpPr>
+        <p:spPr>
+          <a:xfrm>
+            <a:off x="6747180" y="2113766"/>
+            <a:ext cx="1465545" cy="1315233"/>
+          </a:xfrm>
+          <a:prstGeom prst="rect">
+            <a:avLst/>
+          </a:prstGeom>
+        </p:spPr>
+        <p:style>
+          <a:lnRef idx="1">
+            <a:schemeClr val="accent5"/>
+          </a:lnRef>
+          <a:fillRef idx="3">
+            <a:schemeClr val="accent5"/>
+          </a:fillRef>
+          <a:effectRef idx="2">
+            <a:schemeClr val="accent5"/>
+          </a:effectRef>
+          <a:fontRef idx="minor">
+            <a:schemeClr val="lt1"/>
+          </a:fontRef>
+        </p:style>
+        <p:txBody>
+          <a:bodyPr rtlCol="0" anchor="ctr"/>
+          <a:lstStyle/>
+          <a:p>
+            <a:pPr algn="ctr"/>
+            <a:r>
+              <a:rPr lang="en-US" sz="3000" dirty="0"/>
+              <a:t>3</a:t>
+            </a:r>
+            <a:endParaRPr lang="en-PH" sz="3000" dirty="0"/>
+          </a:p>
+        </p:txBody>
+      </p:sp>
+      <p:sp>
+        <p:nvSpPr>
+          <p:cNvPr id="10" name="Rectangle 9">
+            <a:extLst>
+              <a:ext uri="{FF2B5EF4-FFF2-40B4-BE49-F238E27FC236}">
+                <a16:creationId xmlns:a16="http://schemas.microsoft.com/office/drawing/2014/main" id="{64F5675E-E5A9-C138-74D7-63906896B09C}"/>
+              </a:ext>
+            </a:extLst>
+          </p:cNvPr>
+          <p:cNvSpPr/>
+          <p:nvPr/>
+        </p:nvSpPr>
+        <p:spPr>
+          <a:xfrm>
+            <a:off x="8410010" y="2113765"/>
+            <a:ext cx="1465545" cy="1315233"/>
+          </a:xfrm>
+          <a:prstGeom prst="rect">
+            <a:avLst/>
+          </a:prstGeom>
+        </p:spPr>
+        <p:style>
+          <a:lnRef idx="1">
+            <a:schemeClr val="accent6"/>
+          </a:lnRef>
+          <a:fillRef idx="3">
+            <a:schemeClr val="accent6"/>
+          </a:fillRef>
+          <a:effectRef idx="2">
+            <a:schemeClr val="accent6"/>
+          </a:effectRef>
+          <a:fontRef idx="minor">
+            <a:schemeClr val="lt1"/>
+          </a:fontRef>
+        </p:style>
+        <p:txBody>
+          <a:bodyPr rtlCol="0" anchor="ctr"/>
+          <a:lstStyle/>
+          <a:p>
+            <a:pPr algn="ctr"/>
+            <a:r>
+              <a:rPr lang="en-US" sz="3000" dirty="0"/>
+              <a:t>5</a:t>
+            </a:r>
+            <a:endParaRPr lang="en-PH" sz="3000" dirty="0"/>
+          </a:p>
+        </p:txBody>
+      </p:sp>
+    </p:spTree>
+    <p:extLst>
+      <p:ext uri="{BB962C8B-B14F-4D97-AF65-F5344CB8AC3E}">
+        <p14:creationId xmlns:p14="http://schemas.microsoft.com/office/powerpoint/2010/main" val="2686708685"/>
+      </p:ext>
+    </p:extLst>
+  </p:cSld>
+  <p:clrMapOvr>
+    <a:masterClrMapping/>
+  </p:clrMapOvr>
+</p:sld>
+</file>
+
 <file path=ppt/slides/slide9.xml><?xml version="1.0" encoding="utf-8"?>
 <p:sld xmlns:a="http://schemas.openxmlformats.org/drawingml/2006/main" xmlns:r="http://schemas.openxmlformats.org/officeDocument/2006/relationships" xmlns:p="http://schemas.openxmlformats.org/presentationml/2006/main">
   <p:cSld>
@@ -14353,13 +13609,195 @@
     </p:spTree>
     <p:extLst>
       <p:ext uri="{BB962C8B-B14F-4D97-AF65-F5344CB8AC3E}">
-        <p14:creationId xmlns:p14="http://schemas.microsoft.com/office/powerpoint/2010/main" val="2686708685"/>
+        <p14:creationId xmlns:p14="http://schemas.microsoft.com/office/powerpoint/2010/main" val="845598728"/>
       </p:ext>
     </p:extLst>
   </p:cSld>
   <p:clrMapOvr>
     <a:masterClrMapping/>
   </p:clrMapOvr>
+  <p:timing>
+    <p:tnLst>
+      <p:par>
+        <p:cTn id="1" dur="indefinite" restart="never" nodeType="tmRoot">
+          <p:childTnLst>
+            <p:seq concurrent="1" nextAc="seek">
+              <p:cTn id="2" dur="indefinite" nodeType="mainSeq">
+                <p:childTnLst>
+                  <p:par>
+                    <p:cTn id="3" fill="hold">
+                      <p:stCondLst>
+                        <p:cond delay="indefinite"/>
+                      </p:stCondLst>
+                      <p:childTnLst>
+                        <p:par>
+                          <p:cTn id="4" fill="hold">
+                            <p:stCondLst>
+                              <p:cond delay="0"/>
+                            </p:stCondLst>
+                            <p:childTnLst>
+                              <p:par>
+                                <p:cTn id="5" presetID="21" presetClass="emph" presetSubtype="0" fill="hold" grpId="0" nodeType="clickEffect">
+                                  <p:stCondLst>
+                                    <p:cond delay="0"/>
+                                  </p:stCondLst>
+                                  <p:childTnLst>
+                                    <p:animClr clrSpc="hsl" dir="cw">
+                                      <p:cBhvr override="childStyle">
+                                        <p:cTn id="6" dur="500" fill="hold"/>
+                                        <p:tgtEl>
+                                          <p:spTgt spid="3"/>
+                                        </p:tgtEl>
+                                        <p:attrNameLst>
+                                          <p:attrName>style.color</p:attrName>
+                                        </p:attrNameLst>
+                                      </p:cBhvr>
+                                      <p:by>
+                                        <p:hsl h="7200000" s="0" l="0"/>
+                                      </p:by>
+                                    </p:animClr>
+                                    <p:animClr clrSpc="hsl" dir="cw">
+                                      <p:cBhvr>
+                                        <p:cTn id="7" dur="500" fill="hold"/>
+                                        <p:tgtEl>
+                                          <p:spTgt spid="3"/>
+                                        </p:tgtEl>
+                                        <p:attrNameLst>
+                                          <p:attrName>fillcolor</p:attrName>
+                                        </p:attrNameLst>
+                                      </p:cBhvr>
+                                      <p:by>
+                                        <p:hsl h="7200000" s="0" l="0"/>
+                                      </p:by>
+                                    </p:animClr>
+                                    <p:animClr clrSpc="hsl" dir="cw">
+                                      <p:cBhvr>
+                                        <p:cTn id="8" dur="500" fill="hold"/>
+                                        <p:tgtEl>
+                                          <p:spTgt spid="3"/>
+                                        </p:tgtEl>
+                                        <p:attrNameLst>
+                                          <p:attrName>stroke.color</p:attrName>
+                                        </p:attrNameLst>
+                                      </p:cBhvr>
+                                      <p:by>
+                                        <p:hsl h="7200000" s="0" l="0"/>
+                                      </p:by>
+                                    </p:animClr>
+                                    <p:set>
+                                      <p:cBhvr>
+                                        <p:cTn id="9" dur="500" fill="hold"/>
+                                        <p:tgtEl>
+                                          <p:spTgt spid="3"/>
+                                        </p:tgtEl>
+                                        <p:attrNameLst>
+                                          <p:attrName>fill.type</p:attrName>
+                                        </p:attrNameLst>
+                                      </p:cBhvr>
+                                      <p:to>
+                                        <p:strVal val="solid"/>
+                                      </p:to>
+                                    </p:set>
+                                  </p:childTnLst>
+                                </p:cTn>
+                              </p:par>
+                              <p:par>
+                                <p:cTn id="10" presetID="21" presetClass="emph" presetSubtype="0" fill="hold" grpId="0" nodeType="withEffect">
+                                  <p:stCondLst>
+                                    <p:cond delay="0"/>
+                                  </p:stCondLst>
+                                  <p:childTnLst>
+                                    <p:animClr clrSpc="hsl" dir="cw">
+                                      <p:cBhvr override="childStyle">
+                                        <p:cTn id="11" dur="500" fill="hold"/>
+                                        <p:tgtEl>
+                                          <p:spTgt spid="7"/>
+                                        </p:tgtEl>
+                                        <p:attrNameLst>
+                                          <p:attrName>style.color</p:attrName>
+                                        </p:attrNameLst>
+                                      </p:cBhvr>
+                                      <p:by>
+                                        <p:hsl h="7200000" s="0" l="0"/>
+                                      </p:by>
+                                    </p:animClr>
+                                    <p:animClr clrSpc="hsl" dir="cw">
+                                      <p:cBhvr>
+                                        <p:cTn id="12" dur="500" fill="hold"/>
+                                        <p:tgtEl>
+                                          <p:spTgt spid="7"/>
+                                        </p:tgtEl>
+                                        <p:attrNameLst>
+                                          <p:attrName>fillcolor</p:attrName>
+                                        </p:attrNameLst>
+                                      </p:cBhvr>
+                                      <p:by>
+                                        <p:hsl h="7200000" s="0" l="0"/>
+                                      </p:by>
+                                    </p:animClr>
+                                    <p:animClr clrSpc="hsl" dir="cw">
+                                      <p:cBhvr>
+                                        <p:cTn id="13" dur="500" fill="hold"/>
+                                        <p:tgtEl>
+                                          <p:spTgt spid="7"/>
+                                        </p:tgtEl>
+                                        <p:attrNameLst>
+                                          <p:attrName>stroke.color</p:attrName>
+                                        </p:attrNameLst>
+                                      </p:cBhvr>
+                                      <p:by>
+                                        <p:hsl h="7200000" s="0" l="0"/>
+                                      </p:by>
+                                    </p:animClr>
+                                    <p:set>
+                                      <p:cBhvr>
+                                        <p:cTn id="14" dur="500" fill="hold"/>
+                                        <p:tgtEl>
+                                          <p:spTgt spid="7"/>
+                                        </p:tgtEl>
+                                        <p:attrNameLst>
+                                          <p:attrName>fill.type</p:attrName>
+                                        </p:attrNameLst>
+                                      </p:cBhvr>
+                                      <p:to>
+                                        <p:strVal val="solid"/>
+                                      </p:to>
+                                    </p:set>
+                                  </p:childTnLst>
+                                </p:cTn>
+                              </p:par>
+                            </p:childTnLst>
+                          </p:cTn>
+                        </p:par>
+                      </p:childTnLst>
+                    </p:cTn>
+                  </p:par>
+                </p:childTnLst>
+              </p:cTn>
+              <p:prevCondLst>
+                <p:cond evt="onPrev" delay="0">
+                  <p:tgtEl>
+                    <p:sldTgt/>
+                  </p:tgtEl>
+                </p:cond>
+              </p:prevCondLst>
+              <p:nextCondLst>
+                <p:cond evt="onNext" delay="0">
+                  <p:tgtEl>
+                    <p:sldTgt/>
+                  </p:tgtEl>
+                </p:cond>
+              </p:nextCondLst>
+            </p:seq>
+          </p:childTnLst>
+        </p:cTn>
+      </p:par>
+    </p:tnLst>
+    <p:bldLst>
+      <p:bldP spid="3" grpId="0" animBg="1"/>
+      <p:bldP spid="7" grpId="0" animBg="1"/>
+    </p:bldLst>
+  </p:timing>
 </p:sld>
 </file>
 
@@ -14960,15 +14398,6 @@
 </file>
 
 <file path=customXml/item2.xml><?xml version="1.0" encoding="utf-8"?>
-<?mso-contentType ?>
-<FormTemplates xmlns="http://schemas.microsoft.com/sharepoint/v3/contenttype/forms">
-  <Display>DocumentLibraryForm</Display>
-  <Edit>DocumentLibraryForm</Edit>
-  <New>DocumentLibraryForm</New>
-</FormTemplates>
-</file>
-
-<file path=customXml/item3.xml><?xml version="1.0" encoding="utf-8"?>
 <ct:contentTypeSchema xmlns:ct="http://schemas.microsoft.com/office/2006/metadata/contentType" xmlns:ma="http://schemas.microsoft.com/office/2006/metadata/properties/metaAttributes" ct:_="" ma:_="" ma:contentTypeName="Document" ma:contentTypeID="0x0101007188BDCA587B344BBA6CB1A93FAE6998" ma:contentTypeVersion="2" ma:contentTypeDescription="Create a new document." ma:contentTypeScope="" ma:versionID="7a8e4b6720badb2566a0cfeddfaf2856">
   <xsd:schema xmlns:xsd="http://www.w3.org/2001/XMLSchema" xmlns:xs="http://www.w3.org/2001/XMLSchema" xmlns:p="http://schemas.microsoft.com/office/2006/metadata/properties" xmlns:ns2="ba111d12-426d-4af0-bcb6-460e36974645" targetNamespace="http://schemas.microsoft.com/office/2006/metadata/properties" ma:root="true" ma:fieldsID="989b05398519136c88ba0a8d54e3c3da" ns2:_="">
     <xsd:import namespace="ba111d12-426d-4af0-bcb6-460e36974645"/>
@@ -15100,6 +14529,15 @@
 </ct:contentTypeSchema>
 </file>
 
+<file path=customXml/item3.xml><?xml version="1.0" encoding="utf-8"?>
+<?mso-contentType ?>
+<FormTemplates xmlns="http://schemas.microsoft.com/sharepoint/v3/contenttype/forms">
+  <Display>DocumentLibraryForm</Display>
+  <Edit>DocumentLibraryForm</Edit>
+  <New>DocumentLibraryForm</New>
+</FormTemplates>
+</file>
+
 <file path=customXml/itemProps1.xml><?xml version="1.0" encoding="utf-8"?>
 <ds:datastoreItem xmlns:ds="http://schemas.openxmlformats.org/officeDocument/2006/customXml" ds:itemID="{EA3362E2-FA54-4262-AE94-2FA98FF8142D}">
   <ds:schemaRefs>
@@ -15110,14 +14548,6 @@
 </file>
 
 <file path=customXml/itemProps2.xml><?xml version="1.0" encoding="utf-8"?>
-<ds:datastoreItem xmlns:ds="http://schemas.openxmlformats.org/officeDocument/2006/customXml" ds:itemID="{651370AF-26B9-4AFA-BA9D-5D4A7E1A6722}">
-  <ds:schemaRefs>
-    <ds:schemaRef ds:uri="http://schemas.microsoft.com/sharepoint/v3/contenttype/forms"/>
-  </ds:schemaRefs>
-</ds:datastoreItem>
-</file>
-
-<file path=customXml/itemProps3.xml><?xml version="1.0" encoding="utf-8"?>
 <ds:datastoreItem xmlns:ds="http://schemas.openxmlformats.org/officeDocument/2006/customXml" ds:itemID="{3D61E20B-708A-4719-8C02-DA91A478A7AB}">
   <ds:schemaRefs>
     <ds:schemaRef ds:uri="http://schemas.microsoft.com/office/2006/metadata/contentType"/>
@@ -15133,4 +14563,12 @@
     <ds:schemaRef ds:uri="http://schemas.microsoft.com/internal/obd"/>
   </ds:schemaRefs>
 </ds:datastoreItem>
+</file>
+
+<file path=customXml/itemProps3.xml><?xml version="1.0" encoding="utf-8"?>
+<ds:datastoreItem xmlns:ds="http://schemas.openxmlformats.org/officeDocument/2006/customXml" ds:itemID="{651370AF-26B9-4AFA-BA9D-5D4A7E1A6722}">
+  <ds:schemaRefs>
+    <ds:schemaRef ds:uri="http://schemas.microsoft.com/sharepoint/v3/contenttype/forms"/>
+  </ds:schemaRefs>
+</ds:datastoreItem>
 </file>
--- a/5 - Sorting Algorithms/Bubble Sort.pptx
+++ b/5 - Sorting Algorithms/Bubble Sort.pptx
@@ -222,7 +222,7 @@
           <a:p>
             <a:fld id="{F666E1FD-E7A0-497B-BBC0-740BAAC97C64}" type="datetimeFigureOut">
               <a:rPr lang="en-PH" smtClean="0"/>
-              <a:t>10/09/2023</a:t>
+              <a:t>9/11/23</a:t>
             </a:fld>
             <a:endParaRPr lang="en-PH"/>
           </a:p>
@@ -2151,7 +2151,7 @@
           <a:p>
             <a:fld id="{0CCF0B81-6BD8-4C65-9459-815598C5F1F4}" type="datetimeFigureOut">
               <a:rPr lang="en-PH" smtClean="0"/>
-              <a:t>10/09/2023</a:t>
+              <a:t>9/11/23</a:t>
             </a:fld>
             <a:endParaRPr lang="en-PH"/>
           </a:p>
@@ -2351,7 +2351,7 @@
           <a:p>
             <a:fld id="{0CCF0B81-6BD8-4C65-9459-815598C5F1F4}" type="datetimeFigureOut">
               <a:rPr lang="en-PH" smtClean="0"/>
-              <a:t>10/09/2023</a:t>
+              <a:t>9/11/23</a:t>
             </a:fld>
             <a:endParaRPr lang="en-PH"/>
           </a:p>
@@ -2561,7 +2561,7 @@
           <a:p>
             <a:fld id="{0CCF0B81-6BD8-4C65-9459-815598C5F1F4}" type="datetimeFigureOut">
               <a:rPr lang="en-PH" smtClean="0"/>
-              <a:t>10/09/2023</a:t>
+              <a:t>9/11/23</a:t>
             </a:fld>
             <a:endParaRPr lang="en-PH"/>
           </a:p>
@@ -2761,7 +2761,7 @@
           <a:p>
             <a:fld id="{0CCF0B81-6BD8-4C65-9459-815598C5F1F4}" type="datetimeFigureOut">
               <a:rPr lang="en-PH" smtClean="0"/>
-              <a:t>10/09/2023</a:t>
+              <a:t>9/11/23</a:t>
             </a:fld>
             <a:endParaRPr lang="en-PH"/>
           </a:p>
@@ -3037,7 +3037,7 @@
           <a:p>
             <a:fld id="{0CCF0B81-6BD8-4C65-9459-815598C5F1F4}" type="datetimeFigureOut">
               <a:rPr lang="en-PH" smtClean="0"/>
-              <a:t>10/09/2023</a:t>
+              <a:t>9/11/23</a:t>
             </a:fld>
             <a:endParaRPr lang="en-PH"/>
           </a:p>
@@ -3305,7 +3305,7 @@
           <a:p>
             <a:fld id="{0CCF0B81-6BD8-4C65-9459-815598C5F1F4}" type="datetimeFigureOut">
               <a:rPr lang="en-PH" smtClean="0"/>
-              <a:t>10/09/2023</a:t>
+              <a:t>9/11/23</a:t>
             </a:fld>
             <a:endParaRPr lang="en-PH"/>
           </a:p>
@@ -3720,7 +3720,7 @@
           <a:p>
             <a:fld id="{0CCF0B81-6BD8-4C65-9459-815598C5F1F4}" type="datetimeFigureOut">
               <a:rPr lang="en-PH" smtClean="0"/>
-              <a:t>10/09/2023</a:t>
+              <a:t>9/11/23</a:t>
             </a:fld>
             <a:endParaRPr lang="en-PH"/>
           </a:p>
@@ -3862,7 +3862,7 @@
           <a:p>
             <a:fld id="{0CCF0B81-6BD8-4C65-9459-815598C5F1F4}" type="datetimeFigureOut">
               <a:rPr lang="en-PH" smtClean="0"/>
-              <a:t>10/09/2023</a:t>
+              <a:t>9/11/23</a:t>
             </a:fld>
             <a:endParaRPr lang="en-PH"/>
           </a:p>
@@ -3975,7 +3975,7 @@
           <a:p>
             <a:fld id="{0CCF0B81-6BD8-4C65-9459-815598C5F1F4}" type="datetimeFigureOut">
               <a:rPr lang="en-PH" smtClean="0"/>
-              <a:t>10/09/2023</a:t>
+              <a:t>9/11/23</a:t>
             </a:fld>
             <a:endParaRPr lang="en-PH"/>
           </a:p>
@@ -4288,7 +4288,7 @@
           <a:p>
             <a:fld id="{0CCF0B81-6BD8-4C65-9459-815598C5F1F4}" type="datetimeFigureOut">
               <a:rPr lang="en-PH" smtClean="0"/>
-              <a:t>10/09/2023</a:t>
+              <a:t>9/11/23</a:t>
             </a:fld>
             <a:endParaRPr lang="en-PH"/>
           </a:p>
@@ -4577,7 +4577,7 @@
           <a:p>
             <a:fld id="{0CCF0B81-6BD8-4C65-9459-815598C5F1F4}" type="datetimeFigureOut">
               <a:rPr lang="en-PH" smtClean="0"/>
-              <a:t>10/09/2023</a:t>
+              <a:t>9/11/23</a:t>
             </a:fld>
             <a:endParaRPr lang="en-PH"/>
           </a:p>
@@ -4820,7 +4820,7 @@
           <a:p>
             <a:fld id="{0CCF0B81-6BD8-4C65-9459-815598C5F1F4}" type="datetimeFigureOut">
               <a:rPr lang="en-PH" smtClean="0"/>
-              <a:t>10/09/2023</a:t>
+              <a:t>9/11/23</a:t>
             </a:fld>
             <a:endParaRPr lang="en-PH"/>
           </a:p>
@@ -9695,37 +9695,49 @@
       </p:sp>
       <p:sp>
         <p:nvSpPr>
-          <p:cNvPr id="5" name="TextBox 4">
-            <a:extLst>
-              <a:ext uri="{FF2B5EF4-FFF2-40B4-BE49-F238E27FC236}">
-                <a16:creationId xmlns:a16="http://schemas.microsoft.com/office/drawing/2014/main" id="{29F2A501-2BA3-BEFB-5977-D95D3CB6DE77}"/>
-              </a:ext>
-            </a:extLst>
-          </p:cNvPr>
-          <p:cNvSpPr txBox="1"/>
+          <p:cNvPr id="6" name="7-Point Star 5">
+            <a:extLst>
+              <a:ext uri="{FF2B5EF4-FFF2-40B4-BE49-F238E27FC236}">
+                <a16:creationId xmlns:a16="http://schemas.microsoft.com/office/drawing/2014/main" id="{7B711264-F607-B832-860B-CC5E365DAD85}"/>
+              </a:ext>
+            </a:extLst>
+          </p:cNvPr>
+          <p:cNvSpPr/>
           <p:nvPr/>
         </p:nvSpPr>
         <p:spPr>
           <a:xfrm>
-            <a:off x="4058172" y="3973213"/>
-            <a:ext cx="3672475" cy="707886"/>
+            <a:off x="4160174" y="3926149"/>
+            <a:ext cx="3080423" cy="1905831"/>
           </a:xfrm>
-          <a:prstGeom prst="rect">
+          <a:prstGeom prst="star7">
             <a:avLst/>
           </a:prstGeom>
-          <a:noFill/>
         </p:spPr>
-        <p:txBody>
-          <a:bodyPr wrap="square" rtlCol="0">
-            <a:spAutoFit/>
-          </a:bodyPr>
-          <a:lstStyle/>
-          <a:p>
-            <a:r>
-              <a:rPr lang="en-US" sz="4000" dirty="0"/>
+        <p:style>
+          <a:lnRef idx="1">
+            <a:schemeClr val="accent4"/>
+          </a:lnRef>
+          <a:fillRef idx="3">
+            <a:schemeClr val="accent4"/>
+          </a:fillRef>
+          <a:effectRef idx="2">
+            <a:schemeClr val="accent4"/>
+          </a:effectRef>
+          <a:fontRef idx="minor">
+            <a:schemeClr val="lt1"/>
+          </a:fontRef>
+        </p:style>
+        <p:txBody>
+          <a:bodyPr rtlCol="0" anchor="ctr"/>
+          <a:lstStyle/>
+          <a:p>
+            <a:pPr algn="ctr"/>
+            <a:r>
+              <a:rPr lang="en-US" sz="3000" dirty="0"/>
               <a:t>Sorting Finished!</a:t>
             </a:r>
-            <a:endParaRPr lang="en-PH" sz="4000" dirty="0"/>
+            <a:endParaRPr lang="en-PH" sz="3000" dirty="0"/>
           </a:p>
         </p:txBody>
       </p:sp>
@@ -9760,7 +9772,7 @@
                             </p:stCondLst>
                             <p:childTnLst>
                               <p:par>
-                                <p:cTn id="5" presetID="53" presetClass="entr" presetSubtype="16" fill="hold" nodeType="clickEffect">
+                                <p:cTn id="5" presetID="53" presetClass="entr" presetSubtype="16" fill="hold" grpId="0" nodeType="clickEffect">
                                   <p:stCondLst>
                                     <p:cond delay="0"/>
                                   </p:stCondLst>
@@ -9773,11 +9785,7 @@
                                           </p:stCondLst>
                                         </p:cTn>
                                         <p:tgtEl>
-                                          <p:spTgt spid="5">
-                                            <p:txEl>
-                                              <p:pRg st="0" end="0"/>
-                                            </p:txEl>
-                                          </p:spTgt>
+                                          <p:spTgt spid="6"/>
                                         </p:tgtEl>
                                         <p:attrNameLst>
                                           <p:attrName>style.visibility</p:attrName>
@@ -9791,11 +9799,7 @@
                                       <p:cBhvr>
                                         <p:cTn id="7" dur="500" fill="hold"/>
                                         <p:tgtEl>
-                                          <p:spTgt spid="5">
-                                            <p:txEl>
-                                              <p:pRg st="0" end="0"/>
-                                            </p:txEl>
-                                          </p:spTgt>
+                                          <p:spTgt spid="6"/>
                                         </p:tgtEl>
                                         <p:attrNameLst>
                                           <p:attrName>ppt_w</p:attrName>
@@ -9818,11 +9822,7 @@
                                       <p:cBhvr>
                                         <p:cTn id="8" dur="500" fill="hold"/>
                                         <p:tgtEl>
-                                          <p:spTgt spid="5">
-                                            <p:txEl>
-                                              <p:pRg st="0" end="0"/>
-                                            </p:txEl>
-                                          </p:spTgt>
+                                          <p:spTgt spid="6"/>
                                         </p:tgtEl>
                                         <p:attrNameLst>
                                           <p:attrName>ppt_h</p:attrName>
@@ -9845,11 +9845,7 @@
                                       <p:cBhvr>
                                         <p:cTn id="9" dur="500"/>
                                         <p:tgtEl>
-                                          <p:spTgt spid="5">
-                                            <p:txEl>
-                                              <p:pRg st="0" end="0"/>
-                                            </p:txEl>
-                                          </p:spTgt>
+                                          <p:spTgt spid="6"/>
                                         </p:tgtEl>
                                       </p:cBhvr>
                                     </p:animEffect>
@@ -9883,6 +9879,9 @@
         </p:cTn>
       </p:par>
     </p:tnLst>
+    <p:bldLst>
+      <p:bldP spid="6" grpId="0" animBg="1"/>
+    </p:bldLst>
   </p:timing>
 </p:sld>
 </file>
@@ -14392,12 +14391,6 @@
 </file>
 
 <file path=customXml/item1.xml><?xml version="1.0" encoding="utf-8"?>
-<p:properties xmlns:p="http://schemas.microsoft.com/office/2006/metadata/properties" xmlns:xsi="http://www.w3.org/2001/XMLSchema-instance" xmlns:pc="http://schemas.microsoft.com/office/infopath/2007/PartnerControls">
-  <documentManagement/>
-</p:properties>
-</file>
-
-<file path=customXml/item2.xml><?xml version="1.0" encoding="utf-8"?>
 <ct:contentTypeSchema xmlns:ct="http://schemas.microsoft.com/office/2006/metadata/contentType" xmlns:ma="http://schemas.microsoft.com/office/2006/metadata/properties/metaAttributes" ct:_="" ma:_="" ma:contentTypeName="Document" ma:contentTypeID="0x0101007188BDCA587B344BBA6CB1A93FAE6998" ma:contentTypeVersion="2" ma:contentTypeDescription="Create a new document." ma:contentTypeScope="" ma:versionID="7a8e4b6720badb2566a0cfeddfaf2856">
   <xsd:schema xmlns:xsd="http://www.w3.org/2001/XMLSchema" xmlns:xs="http://www.w3.org/2001/XMLSchema" xmlns:p="http://schemas.microsoft.com/office/2006/metadata/properties" xmlns:ns2="ba111d12-426d-4af0-bcb6-460e36974645" targetNamespace="http://schemas.microsoft.com/office/2006/metadata/properties" ma:root="true" ma:fieldsID="989b05398519136c88ba0a8d54e3c3da" ns2:_="">
     <xsd:import namespace="ba111d12-426d-4af0-bcb6-460e36974645"/>
@@ -14529,6 +14522,12 @@
 </ct:contentTypeSchema>
 </file>
 
+<file path=customXml/item2.xml><?xml version="1.0" encoding="utf-8"?>
+<p:properties xmlns:p="http://schemas.microsoft.com/office/2006/metadata/properties" xmlns:xsi="http://www.w3.org/2001/XMLSchema-instance" xmlns:pc="http://schemas.microsoft.com/office/infopath/2007/PartnerControls">
+  <documentManagement/>
+</p:properties>
+</file>
+
 <file path=customXml/item3.xml><?xml version="1.0" encoding="utf-8"?>
 <?mso-contentType ?>
 <FormTemplates xmlns="http://schemas.microsoft.com/sharepoint/v3/contenttype/forms">
@@ -14539,15 +14538,6 @@
 </file>
 
 <file path=customXml/itemProps1.xml><?xml version="1.0" encoding="utf-8"?>
-<ds:datastoreItem xmlns:ds="http://schemas.openxmlformats.org/officeDocument/2006/customXml" ds:itemID="{EA3362E2-FA54-4262-AE94-2FA98FF8142D}">
-  <ds:schemaRefs>
-    <ds:schemaRef ds:uri="http://schemas.microsoft.com/office/2006/metadata/properties"/>
-    <ds:schemaRef ds:uri="http://schemas.microsoft.com/office/infopath/2007/PartnerControls"/>
-  </ds:schemaRefs>
-</ds:datastoreItem>
-</file>
-
-<file path=customXml/itemProps2.xml><?xml version="1.0" encoding="utf-8"?>
 <ds:datastoreItem xmlns:ds="http://schemas.openxmlformats.org/officeDocument/2006/customXml" ds:itemID="{3D61E20B-708A-4719-8C02-DA91A478A7AB}">
   <ds:schemaRefs>
     <ds:schemaRef ds:uri="http://schemas.microsoft.com/office/2006/metadata/contentType"/>
@@ -14565,6 +14555,15 @@
 </ds:datastoreItem>
 </file>
 
+<file path=customXml/itemProps2.xml><?xml version="1.0" encoding="utf-8"?>
+<ds:datastoreItem xmlns:ds="http://schemas.openxmlformats.org/officeDocument/2006/customXml" ds:itemID="{EA3362E2-FA54-4262-AE94-2FA98FF8142D}">
+  <ds:schemaRefs>
+    <ds:schemaRef ds:uri="http://schemas.microsoft.com/office/2006/metadata/properties"/>
+    <ds:schemaRef ds:uri="http://schemas.microsoft.com/office/infopath/2007/PartnerControls"/>
+  </ds:schemaRefs>
+</ds:datastoreItem>
+</file>
+
 <file path=customXml/itemProps3.xml><?xml version="1.0" encoding="utf-8"?>
 <ds:datastoreItem xmlns:ds="http://schemas.openxmlformats.org/officeDocument/2006/customXml" ds:itemID="{651370AF-26B9-4AFA-BA9D-5D4A7E1A6722}">
   <ds:schemaRefs>
